--- a/1юпсп/Теоретический материал.pptx
+++ b/1юпсп/Теоретический материал.pptx
@@ -6,21 +6,22 @@
   </p:sldMasterIdLst>
   <p:sldIdLst>
     <p:sldId id="256" r:id="rId2"/>
-    <p:sldId id="257" r:id="rId3"/>
-    <p:sldId id="259" r:id="rId4"/>
-    <p:sldId id="260" r:id="rId5"/>
-    <p:sldId id="261" r:id="rId6"/>
-    <p:sldId id="262" r:id="rId7"/>
-    <p:sldId id="263" r:id="rId8"/>
-    <p:sldId id="264" r:id="rId9"/>
-    <p:sldId id="258" r:id="rId10"/>
-    <p:sldId id="265" r:id="rId11"/>
-    <p:sldId id="266" r:id="rId12"/>
-    <p:sldId id="267" r:id="rId13"/>
-    <p:sldId id="268" r:id="rId14"/>
-    <p:sldId id="269" r:id="rId15"/>
-    <p:sldId id="270" r:id="rId16"/>
-    <p:sldId id="271" r:id="rId17"/>
+    <p:sldId id="272" r:id="rId3"/>
+    <p:sldId id="257" r:id="rId4"/>
+    <p:sldId id="259" r:id="rId5"/>
+    <p:sldId id="260" r:id="rId6"/>
+    <p:sldId id="261" r:id="rId7"/>
+    <p:sldId id="262" r:id="rId8"/>
+    <p:sldId id="263" r:id="rId9"/>
+    <p:sldId id="264" r:id="rId10"/>
+    <p:sldId id="269" r:id="rId11"/>
+    <p:sldId id="258" r:id="rId12"/>
+    <p:sldId id="265" r:id="rId13"/>
+    <p:sldId id="266" r:id="rId14"/>
+    <p:sldId id="267" r:id="rId15"/>
+    <p:sldId id="268" r:id="rId16"/>
+    <p:sldId id="270" r:id="rId17"/>
+    <p:sldId id="271" r:id="rId18"/>
   </p:sldIdLst>
   <p:sldSz cx="9144000" cy="6858000" type="screen4x3"/>
   <p:notesSz cx="6858000" cy="9144000"/>
@@ -2575,7 +2576,7 @@
             <a:fld id="{5B106E36-FD25-4E2D-B0AA-010F637433A0}" type="datetimeFigureOut">
               <a:rPr lang="ru-RU" smtClean="0"/>
               <a:pPr/>
-              <a:t>06.02.2026</a:t>
+              <a:t>09.02.2026</a:t>
             </a:fld>
             <a:endParaRPr lang="ru-RU"/>
           </a:p>
@@ -2742,7 +2743,7 @@
             <a:fld id="{5B106E36-FD25-4E2D-B0AA-010F637433A0}" type="datetimeFigureOut">
               <a:rPr lang="ru-RU" smtClean="0"/>
               <a:pPr/>
-              <a:t>06.02.2026</a:t>
+              <a:t>09.02.2026</a:t>
             </a:fld>
             <a:endParaRPr lang="ru-RU"/>
           </a:p>
@@ -2919,7 +2920,7 @@
             <a:fld id="{5B106E36-FD25-4E2D-B0AA-010F637433A0}" type="datetimeFigureOut">
               <a:rPr lang="ru-RU" smtClean="0"/>
               <a:pPr/>
-              <a:t>06.02.2026</a:t>
+              <a:t>09.02.2026</a:t>
             </a:fld>
             <a:endParaRPr lang="ru-RU"/>
           </a:p>
@@ -3086,7 +3087,7 @@
             <a:fld id="{5B106E36-FD25-4E2D-B0AA-010F637433A0}" type="datetimeFigureOut">
               <a:rPr lang="ru-RU" smtClean="0"/>
               <a:pPr/>
-              <a:t>06.02.2026</a:t>
+              <a:t>09.02.2026</a:t>
             </a:fld>
             <a:endParaRPr lang="ru-RU"/>
           </a:p>
@@ -3329,7 +3330,7 @@
             <a:fld id="{5B106E36-FD25-4E2D-B0AA-010F637433A0}" type="datetimeFigureOut">
               <a:rPr lang="ru-RU" smtClean="0"/>
               <a:pPr/>
-              <a:t>06.02.2026</a:t>
+              <a:t>09.02.2026</a:t>
             </a:fld>
             <a:endParaRPr lang="ru-RU"/>
           </a:p>
@@ -3614,7 +3615,7 @@
             <a:fld id="{5B106E36-FD25-4E2D-B0AA-010F637433A0}" type="datetimeFigureOut">
               <a:rPr lang="ru-RU" smtClean="0"/>
               <a:pPr/>
-              <a:t>06.02.2026</a:t>
+              <a:t>09.02.2026</a:t>
             </a:fld>
             <a:endParaRPr lang="ru-RU"/>
           </a:p>
@@ -4033,7 +4034,7 @@
             <a:fld id="{5B106E36-FD25-4E2D-B0AA-010F637433A0}" type="datetimeFigureOut">
               <a:rPr lang="ru-RU" smtClean="0"/>
               <a:pPr/>
-              <a:t>06.02.2026</a:t>
+              <a:t>09.02.2026</a:t>
             </a:fld>
             <a:endParaRPr lang="ru-RU"/>
           </a:p>
@@ -4148,7 +4149,7 @@
             <a:fld id="{5B106E36-FD25-4E2D-B0AA-010F637433A0}" type="datetimeFigureOut">
               <a:rPr lang="ru-RU" smtClean="0"/>
               <a:pPr/>
-              <a:t>06.02.2026</a:t>
+              <a:t>09.02.2026</a:t>
             </a:fld>
             <a:endParaRPr lang="ru-RU"/>
           </a:p>
@@ -4240,7 +4241,7 @@
             <a:fld id="{5B106E36-FD25-4E2D-B0AA-010F637433A0}" type="datetimeFigureOut">
               <a:rPr lang="ru-RU" smtClean="0"/>
               <a:pPr/>
-              <a:t>06.02.2026</a:t>
+              <a:t>09.02.2026</a:t>
             </a:fld>
             <a:endParaRPr lang="ru-RU"/>
           </a:p>
@@ -4514,7 +4515,7 @@
             <a:fld id="{5B106E36-FD25-4E2D-B0AA-010F637433A0}" type="datetimeFigureOut">
               <a:rPr lang="ru-RU" smtClean="0"/>
               <a:pPr/>
-              <a:t>06.02.2026</a:t>
+              <a:t>09.02.2026</a:t>
             </a:fld>
             <a:endParaRPr lang="ru-RU"/>
           </a:p>
@@ -4764,7 +4765,7 @@
             <a:fld id="{5B106E36-FD25-4E2D-B0AA-010F637433A0}" type="datetimeFigureOut">
               <a:rPr lang="ru-RU" smtClean="0"/>
               <a:pPr/>
-              <a:t>06.02.2026</a:t>
+              <a:t>09.02.2026</a:t>
             </a:fld>
             <a:endParaRPr lang="ru-RU"/>
           </a:p>
@@ -4974,7 +4975,7 @@
             <a:fld id="{5B106E36-FD25-4E2D-B0AA-010F637433A0}" type="datetimeFigureOut">
               <a:rPr lang="ru-RU" smtClean="0"/>
               <a:pPr/>
-              <a:t>06.02.2026</a:t>
+              <a:t>09.02.2026</a:t>
             </a:fld>
             <a:endParaRPr lang="ru-RU"/>
           </a:p>
@@ -5395,781 +5396,6 @@
       </p:grpSpPr>
       <p:sp>
         <p:nvSpPr>
-          <p:cNvPr id="2" name="Заголовок 1"/>
-          <p:cNvSpPr>
-            <a:spLocks noGrp="1"/>
-          </p:cNvSpPr>
-          <p:nvPr>
-            <p:ph type="title"/>
-          </p:nvPr>
-        </p:nvSpPr>
-        <p:spPr>
-          <a:xfrm>
-            <a:off x="457200" y="-24"/>
-            <a:ext cx="8229600" cy="1143000"/>
-          </a:xfrm>
-        </p:spPr>
-        <p:txBody>
-          <a:bodyPr>
-            <a:normAutofit fontScale="90000"/>
-          </a:bodyPr>
-          <a:lstStyle/>
-          <a:p>
-            <a:r>
-              <a:rPr lang="ru-RU" cap="all" dirty="0" smtClean="0"/>
-              <a:t>5 ПРИЁМОВ ПРОДВИНУТОГО ПОИСКА В КОНСУЛЬТАНТПЛЮС</a:t>
-            </a:r>
-            <a:endParaRPr lang="ru-RU" cap="all" dirty="0"/>
-          </a:p>
-        </p:txBody>
-      </p:sp>
-      <p:sp>
-        <p:nvSpPr>
-          <p:cNvPr id="3" name="Прямоугольник 2"/>
-          <p:cNvSpPr/>
-          <p:nvPr/>
-        </p:nvSpPr>
-        <p:spPr>
-          <a:xfrm>
-            <a:off x="0" y="1357298"/>
-            <a:ext cx="9144000" cy="3139321"/>
-          </a:xfrm>
-          <a:prstGeom prst="rect">
-            <a:avLst/>
-          </a:prstGeom>
-          <a:solidFill>
-            <a:schemeClr val="accent3">
-              <a:lumMod val="20000"/>
-              <a:lumOff val="80000"/>
-            </a:schemeClr>
-          </a:solidFill>
-        </p:spPr>
-        <p:txBody>
-          <a:bodyPr wrap="square">
-            <a:spAutoFit/>
-          </a:bodyPr>
-          <a:lstStyle/>
-          <a:p>
-            <a:pPr algn="just"/>
-            <a:r>
-              <a:rPr lang="ru-RU" b="1" cap="all" dirty="0" smtClean="0">
-                <a:latin typeface="Times New Roman" pitchFamily="18" charset="0"/>
-                <a:cs typeface="Times New Roman" pitchFamily="18" charset="0"/>
-              </a:rPr>
-              <a:t>1. </a:t>
-            </a:r>
-            <a:r>
-              <a:rPr lang="ru-RU" b="1" cap="all" dirty="0" smtClean="0">
-                <a:latin typeface="Times New Roman" pitchFamily="18" charset="0"/>
-                <a:cs typeface="Times New Roman" pitchFamily="18" charset="0"/>
-              </a:rPr>
-              <a:t>ОГРАНИЧЕНИЕ ОБЛАСТИ ПОИСКА С ПОМОЩЬЮ ВКЛАДОК</a:t>
-            </a:r>
-          </a:p>
-          <a:p>
-            <a:pPr algn="just"/>
-            <a:r>
-              <a:rPr lang="ru-RU" dirty="0" smtClean="0">
-                <a:latin typeface="Times New Roman" pitchFamily="18" charset="0"/>
-                <a:cs typeface="Times New Roman" pitchFamily="18" charset="0"/>
-              </a:rPr>
-              <a:t>Один из самых простых способов сразу сузить поиск — использовать вкладки в окне </a:t>
-            </a:r>
-            <a:r>
-              <a:rPr lang="ru-RU" b="1" dirty="0" smtClean="0">
-                <a:latin typeface="Times New Roman" pitchFamily="18" charset="0"/>
-                <a:cs typeface="Times New Roman" pitchFamily="18" charset="0"/>
-              </a:rPr>
-              <a:t>Быстрого поиска</a:t>
-            </a:r>
-            <a:r>
-              <a:rPr lang="ru-RU" dirty="0" smtClean="0">
-                <a:latin typeface="Times New Roman" pitchFamily="18" charset="0"/>
-                <a:cs typeface="Times New Roman" pitchFamily="18" charset="0"/>
-              </a:rPr>
-              <a:t>. Вы можете заранее выбрать тип документов, которые хотите найти:</a:t>
-            </a:r>
-          </a:p>
-          <a:p>
-            <a:pPr algn="just"/>
-            <a:r>
-              <a:rPr lang="ru-RU" b="1" dirty="0" smtClean="0">
-                <a:latin typeface="Times New Roman" pitchFamily="18" charset="0"/>
-                <a:cs typeface="Times New Roman" pitchFamily="18" charset="0"/>
-              </a:rPr>
-              <a:t>Законодательство</a:t>
-            </a:r>
-            <a:endParaRPr lang="ru-RU" dirty="0" smtClean="0">
-              <a:latin typeface="Times New Roman" pitchFamily="18" charset="0"/>
-              <a:cs typeface="Times New Roman" pitchFamily="18" charset="0"/>
-            </a:endParaRPr>
-          </a:p>
-          <a:p>
-            <a:pPr algn="just"/>
-            <a:r>
-              <a:rPr lang="ru-RU" b="1" dirty="0" smtClean="0">
-                <a:latin typeface="Times New Roman" pitchFamily="18" charset="0"/>
-                <a:cs typeface="Times New Roman" pitchFamily="18" charset="0"/>
-              </a:rPr>
-              <a:t>Судебная практика</a:t>
-            </a:r>
-            <a:endParaRPr lang="ru-RU" dirty="0" smtClean="0">
-              <a:latin typeface="Times New Roman" pitchFamily="18" charset="0"/>
-              <a:cs typeface="Times New Roman" pitchFamily="18" charset="0"/>
-            </a:endParaRPr>
-          </a:p>
-          <a:p>
-            <a:pPr algn="just"/>
-            <a:r>
-              <a:rPr lang="ru-RU" b="1" dirty="0" smtClean="0">
-                <a:latin typeface="Times New Roman" pitchFamily="18" charset="0"/>
-                <a:cs typeface="Times New Roman" pitchFamily="18" charset="0"/>
-              </a:rPr>
-              <a:t>Консультации</a:t>
-            </a:r>
-            <a:endParaRPr lang="ru-RU" dirty="0" smtClean="0">
-              <a:latin typeface="Times New Roman" pitchFamily="18" charset="0"/>
-              <a:cs typeface="Times New Roman" pitchFamily="18" charset="0"/>
-            </a:endParaRPr>
-          </a:p>
-          <a:p>
-            <a:pPr algn="just"/>
-            <a:r>
-              <a:rPr lang="ru-RU" b="1" dirty="0" smtClean="0">
-                <a:latin typeface="Times New Roman" pitchFamily="18" charset="0"/>
-                <a:cs typeface="Times New Roman" pitchFamily="18" charset="0"/>
-              </a:rPr>
-              <a:t>Формы документов</a:t>
-            </a:r>
-            <a:endParaRPr lang="ru-RU" dirty="0" smtClean="0">
-              <a:latin typeface="Times New Roman" pitchFamily="18" charset="0"/>
-              <a:cs typeface="Times New Roman" pitchFamily="18" charset="0"/>
-            </a:endParaRPr>
-          </a:p>
-          <a:p>
-            <a:pPr algn="just"/>
-            <a:r>
-              <a:rPr lang="ru-RU" dirty="0" smtClean="0">
-                <a:latin typeface="Times New Roman" pitchFamily="18" charset="0"/>
-                <a:cs typeface="Times New Roman" pitchFamily="18" charset="0"/>
-              </a:rPr>
-              <a:t>Это удобно, если вы точно знаете, что ищете, например, только судебные решения или консультации экспертов. Такой подход позволяет исключить лишние результаты и сосредоточиться на нужных данных.</a:t>
-            </a:r>
-            <a:endParaRPr lang="ru-RU" dirty="0">
-              <a:latin typeface="Times New Roman" pitchFamily="18" charset="0"/>
-              <a:cs typeface="Times New Roman" pitchFamily="18" charset="0"/>
-            </a:endParaRPr>
-          </a:p>
-        </p:txBody>
-      </p:sp>
-      <p:pic>
-        <p:nvPicPr>
-          <p:cNvPr id="22530" name="Picture 2" descr="Вкладки интерфейса Консультант Плюс"/>
-          <p:cNvPicPr>
-            <a:picLocks noChangeAspect="1" noChangeArrowheads="1"/>
-          </p:cNvPicPr>
-          <p:nvPr/>
-        </p:nvPicPr>
-        <p:blipFill>
-          <a:blip r:embed="rId2"/>
-          <a:srcRect/>
-          <a:stretch>
-            <a:fillRect/>
-          </a:stretch>
-        </p:blipFill>
-        <p:spPr bwMode="auto">
-          <a:xfrm>
-            <a:off x="1428728" y="4595790"/>
-            <a:ext cx="6144162" cy="2262210"/>
-          </a:xfrm>
-          <a:prstGeom prst="rect">
-            <a:avLst/>
-          </a:prstGeom>
-          <a:noFill/>
-        </p:spPr>
-      </p:pic>
-    </p:spTree>
-  </p:cSld>
-  <p:clrMapOvr>
-    <a:masterClrMapping/>
-  </p:clrMapOvr>
-</p:sld>
-</file>
-
-<file path=ppt/slides/slide11.xml><?xml version="1.0" encoding="utf-8"?>
-<p:sld xmlns:a="http://schemas.openxmlformats.org/drawingml/2006/main" xmlns:r="http://schemas.openxmlformats.org/officeDocument/2006/relationships" xmlns:p="http://schemas.openxmlformats.org/presentationml/2006/main">
-  <p:cSld>
-    <p:spTree>
-      <p:nvGrpSpPr>
-        <p:cNvPr id="1" name=""/>
-        <p:cNvGrpSpPr/>
-        <p:nvPr/>
-      </p:nvGrpSpPr>
-      <p:grpSpPr>
-        <a:xfrm>
-          <a:off x="0" y="0"/>
-          <a:ext cx="0" cy="0"/>
-          <a:chOff x="0" y="0"/>
-          <a:chExt cx="0" cy="0"/>
-        </a:xfrm>
-      </p:grpSpPr>
-      <p:sp>
-        <p:nvSpPr>
-          <p:cNvPr id="2" name="Заголовок 1"/>
-          <p:cNvSpPr>
-            <a:spLocks noGrp="1"/>
-          </p:cNvSpPr>
-          <p:nvPr>
-            <p:ph type="title"/>
-          </p:nvPr>
-        </p:nvSpPr>
-        <p:spPr>
-          <a:xfrm>
-            <a:off x="457200" y="-24"/>
-            <a:ext cx="8229600" cy="1143000"/>
-          </a:xfrm>
-        </p:spPr>
-        <p:txBody>
-          <a:bodyPr>
-            <a:normAutofit fontScale="90000"/>
-          </a:bodyPr>
-          <a:lstStyle/>
-          <a:p>
-            <a:r>
-              <a:rPr lang="ru-RU" cap="all" dirty="0" smtClean="0"/>
-              <a:t>5 ПРИЁМОВ ПРОДВИНУТОГО ПОИСКА В КОНСУЛЬТАНТПЛЮС</a:t>
-            </a:r>
-            <a:endParaRPr lang="ru-RU" cap="all" dirty="0"/>
-          </a:p>
-        </p:txBody>
-      </p:sp>
-      <p:sp>
-        <p:nvSpPr>
-          <p:cNvPr id="3" name="Прямоугольник 2"/>
-          <p:cNvSpPr/>
-          <p:nvPr/>
-        </p:nvSpPr>
-        <p:spPr>
-          <a:xfrm>
-            <a:off x="0" y="1357298"/>
-            <a:ext cx="9144000" cy="2308324"/>
-          </a:xfrm>
-          <a:prstGeom prst="rect">
-            <a:avLst/>
-          </a:prstGeom>
-          <a:solidFill>
-            <a:schemeClr val="accent3">
-              <a:lumMod val="20000"/>
-              <a:lumOff val="80000"/>
-            </a:schemeClr>
-          </a:solidFill>
-        </p:spPr>
-        <p:txBody>
-          <a:bodyPr wrap="square">
-            <a:spAutoFit/>
-          </a:bodyPr>
-          <a:lstStyle/>
-          <a:p>
-            <a:pPr algn="just"/>
-            <a:r>
-              <a:rPr lang="ru-RU" b="1" cap="all" dirty="0" smtClean="0">
-                <a:latin typeface="Times New Roman" pitchFamily="18" charset="0"/>
-                <a:cs typeface="Times New Roman" pitchFamily="18" charset="0"/>
-              </a:rPr>
-              <a:t>2. </a:t>
-            </a:r>
-            <a:r>
-              <a:rPr lang="ru-RU" b="1" cap="all" dirty="0" smtClean="0">
-                <a:latin typeface="Times New Roman" pitchFamily="18" charset="0"/>
-                <a:cs typeface="Times New Roman" pitchFamily="18" charset="0"/>
-              </a:rPr>
-              <a:t>ПОСТРОЕНИЕ ПОЛНОГО СПИСКА ДОКУМЕНТОВ</a:t>
-            </a:r>
-          </a:p>
-          <a:p>
-            <a:pPr algn="just"/>
-            <a:r>
-              <a:rPr lang="ru-RU" dirty="0" smtClean="0">
-                <a:latin typeface="Times New Roman" pitchFamily="18" charset="0"/>
-                <a:cs typeface="Times New Roman" pitchFamily="18" charset="0"/>
-              </a:rPr>
-              <a:t>Стандартный поиск в </a:t>
-            </a:r>
-            <a:r>
-              <a:rPr lang="ru-RU" dirty="0" err="1" smtClean="0">
-                <a:latin typeface="Times New Roman" pitchFamily="18" charset="0"/>
-                <a:cs typeface="Times New Roman" pitchFamily="18" charset="0"/>
-              </a:rPr>
-              <a:t>КонсультантПлюс</a:t>
-            </a:r>
-            <a:r>
-              <a:rPr lang="ru-RU" dirty="0" smtClean="0">
-                <a:latin typeface="Times New Roman" pitchFamily="18" charset="0"/>
-                <a:cs typeface="Times New Roman" pitchFamily="18" charset="0"/>
-              </a:rPr>
-              <a:t> сначала формирует сокращённый список самых важных документов. Если вам нужно провести более глубокий анализ и рассмотреть все найденные материалы, воспользуйтесь ссылкой </a:t>
-            </a:r>
-            <a:r>
-              <a:rPr lang="ru-RU" b="1" dirty="0" smtClean="0">
-                <a:latin typeface="Times New Roman" pitchFamily="18" charset="0"/>
-                <a:cs typeface="Times New Roman" pitchFamily="18" charset="0"/>
-              </a:rPr>
-              <a:t>«Все результаты поиска»</a:t>
-            </a:r>
-            <a:r>
-              <a:rPr lang="ru-RU" dirty="0" smtClean="0">
-                <a:latin typeface="Times New Roman" pitchFamily="18" charset="0"/>
-                <a:cs typeface="Times New Roman" pitchFamily="18" charset="0"/>
-              </a:rPr>
-              <a:t>. Она откроет полный список документов из всех разделов и информационных банков.</a:t>
-            </a:r>
-          </a:p>
-          <a:p>
-            <a:pPr algn="just"/>
-            <a:r>
-              <a:rPr lang="ru-RU" dirty="0" smtClean="0">
-                <a:latin typeface="Times New Roman" pitchFamily="18" charset="0"/>
-                <a:cs typeface="Times New Roman" pitchFamily="18" charset="0"/>
-              </a:rPr>
-              <a:t>Этот приём незаменим, если вы готовите комплексное заключение или хотите учесть все аспекты правового вопроса, включая законодательство, судебную практику и консультации.</a:t>
-            </a:r>
-            <a:endParaRPr lang="ru-RU" dirty="0">
-              <a:latin typeface="Times New Roman" pitchFamily="18" charset="0"/>
-              <a:cs typeface="Times New Roman" pitchFamily="18" charset="0"/>
-            </a:endParaRPr>
-          </a:p>
-        </p:txBody>
-      </p:sp>
-      <p:pic>
-        <p:nvPicPr>
-          <p:cNvPr id="23554" name="Picture 2"/>
-          <p:cNvPicPr>
-            <a:picLocks noChangeAspect="1" noChangeArrowheads="1"/>
-          </p:cNvPicPr>
-          <p:nvPr/>
-        </p:nvPicPr>
-        <p:blipFill>
-          <a:blip r:embed="rId2"/>
-          <a:srcRect/>
-          <a:stretch>
-            <a:fillRect/>
-          </a:stretch>
-        </p:blipFill>
-        <p:spPr bwMode="auto">
-          <a:xfrm>
-            <a:off x="-90878" y="3786190"/>
-            <a:ext cx="9234878" cy="2743213"/>
-          </a:xfrm>
-          <a:prstGeom prst="rect">
-            <a:avLst/>
-          </a:prstGeom>
-          <a:noFill/>
-          <a:ln w="9525">
-            <a:noFill/>
-            <a:miter lim="800000"/>
-            <a:headEnd/>
-            <a:tailEnd/>
-          </a:ln>
-          <a:effectLst/>
-        </p:spPr>
-      </p:pic>
-    </p:spTree>
-  </p:cSld>
-  <p:clrMapOvr>
-    <a:masterClrMapping/>
-  </p:clrMapOvr>
-</p:sld>
-</file>
-
-<file path=ppt/slides/slide12.xml><?xml version="1.0" encoding="utf-8"?>
-<p:sld xmlns:a="http://schemas.openxmlformats.org/drawingml/2006/main" xmlns:r="http://schemas.openxmlformats.org/officeDocument/2006/relationships" xmlns:p="http://schemas.openxmlformats.org/presentationml/2006/main">
-  <p:cSld>
-    <p:spTree>
-      <p:nvGrpSpPr>
-        <p:cNvPr id="1" name=""/>
-        <p:cNvGrpSpPr/>
-        <p:nvPr/>
-      </p:nvGrpSpPr>
-      <p:grpSpPr>
-        <a:xfrm>
-          <a:off x="0" y="0"/>
-          <a:ext cx="0" cy="0"/>
-          <a:chOff x="0" y="0"/>
-          <a:chExt cx="0" cy="0"/>
-        </a:xfrm>
-      </p:grpSpPr>
-      <p:sp>
-        <p:nvSpPr>
-          <p:cNvPr id="2" name="Заголовок 1"/>
-          <p:cNvSpPr>
-            <a:spLocks noGrp="1"/>
-          </p:cNvSpPr>
-          <p:nvPr>
-            <p:ph type="title"/>
-          </p:nvPr>
-        </p:nvSpPr>
-        <p:spPr>
-          <a:xfrm>
-            <a:off x="457200" y="-24"/>
-            <a:ext cx="8229600" cy="1143000"/>
-          </a:xfrm>
-        </p:spPr>
-        <p:txBody>
-          <a:bodyPr>
-            <a:normAutofit fontScale="90000"/>
-          </a:bodyPr>
-          <a:lstStyle/>
-          <a:p>
-            <a:r>
-              <a:rPr lang="ru-RU" cap="all" dirty="0" smtClean="0"/>
-              <a:t>5 ПРИЁМОВ ПРОДВИНУТОГО ПОИСКА В КОНСУЛЬТАНТПЛЮС</a:t>
-            </a:r>
-            <a:endParaRPr lang="ru-RU" cap="all" dirty="0"/>
-          </a:p>
-        </p:txBody>
-      </p:sp>
-      <p:sp>
-        <p:nvSpPr>
-          <p:cNvPr id="3" name="Прямоугольник 2"/>
-          <p:cNvSpPr/>
-          <p:nvPr/>
-        </p:nvSpPr>
-        <p:spPr>
-          <a:xfrm>
-            <a:off x="0" y="1142984"/>
-            <a:ext cx="9144000" cy="2585323"/>
-          </a:xfrm>
-          <a:prstGeom prst="rect">
-            <a:avLst/>
-          </a:prstGeom>
-          <a:solidFill>
-            <a:schemeClr val="accent3">
-              <a:lumMod val="20000"/>
-              <a:lumOff val="80000"/>
-            </a:schemeClr>
-          </a:solidFill>
-        </p:spPr>
-        <p:txBody>
-          <a:bodyPr wrap="square">
-            <a:spAutoFit/>
-          </a:bodyPr>
-          <a:lstStyle/>
-          <a:p>
-            <a:pPr algn="just"/>
-            <a:r>
-              <a:rPr lang="ru-RU" b="1" cap="all" dirty="0" smtClean="0">
-                <a:latin typeface="Times New Roman" pitchFamily="18" charset="0"/>
-                <a:cs typeface="Times New Roman" pitchFamily="18" charset="0"/>
-              </a:rPr>
-              <a:t>3. </a:t>
-            </a:r>
-            <a:r>
-              <a:rPr lang="ru-RU" b="1" cap="all" dirty="0" smtClean="0">
-                <a:latin typeface="Times New Roman" pitchFamily="18" charset="0"/>
-                <a:cs typeface="Times New Roman" pitchFamily="18" charset="0"/>
-              </a:rPr>
-              <a:t>ИСПОЛЬЗОВАНИЕ ПОДСКАЗОК ПРИ ВВОДЕ ЗАПРОСА</a:t>
-            </a:r>
-          </a:p>
-          <a:p>
-            <a:pPr algn="just"/>
-            <a:r>
-              <a:rPr lang="ru-RU" dirty="0" smtClean="0">
-                <a:latin typeface="Times New Roman" pitchFamily="18" charset="0"/>
-                <a:cs typeface="Times New Roman" pitchFamily="18" charset="0"/>
-              </a:rPr>
-              <a:t>Когда вы начинаете вводить запрос в строку , система предлагает популярные поисковые выражения и уточнения. Это помогает быстрее формулировать запрос и находить нужную информацию без лишних уточняющих поисков.</a:t>
-            </a:r>
-          </a:p>
-          <a:p>
-            <a:pPr algn="just"/>
-            <a:r>
-              <a:rPr lang="ru-RU" dirty="0" smtClean="0">
-                <a:latin typeface="Times New Roman" pitchFamily="18" charset="0"/>
-                <a:cs typeface="Times New Roman" pitchFamily="18" charset="0"/>
-              </a:rPr>
-              <a:t>Например, при вводе слов </a:t>
-            </a:r>
-            <a:r>
-              <a:rPr lang="ru-RU" i="1" dirty="0" smtClean="0">
-                <a:latin typeface="Times New Roman" pitchFamily="18" charset="0"/>
-                <a:cs typeface="Times New Roman" pitchFamily="18" charset="0"/>
-              </a:rPr>
-              <a:t>«налог на прибыль»</a:t>
-            </a:r>
-            <a:r>
-              <a:rPr lang="ru-RU" dirty="0" smtClean="0">
-                <a:latin typeface="Times New Roman" pitchFamily="18" charset="0"/>
-                <a:cs typeface="Times New Roman" pitchFamily="18" charset="0"/>
-              </a:rPr>
-              <a:t> вы сразу увидите варианты уточнений: </a:t>
-            </a:r>
-            <a:r>
-              <a:rPr lang="ru-RU" i="1" dirty="0" smtClean="0">
-                <a:latin typeface="Times New Roman" pitchFamily="18" charset="0"/>
-                <a:cs typeface="Times New Roman" pitchFamily="18" charset="0"/>
-              </a:rPr>
-              <a:t>«авансовые платежи по налогу на прибыль», «декларация по налогу на прибыль»</a:t>
-            </a:r>
-            <a:r>
-              <a:rPr lang="ru-RU" dirty="0" smtClean="0">
-                <a:latin typeface="Times New Roman" pitchFamily="18" charset="0"/>
-                <a:cs typeface="Times New Roman" pitchFamily="18" charset="0"/>
-              </a:rPr>
-              <a:t>.</a:t>
-            </a:r>
-          </a:p>
-          <a:p>
-            <a:pPr algn="just"/>
-            <a:r>
-              <a:rPr lang="ru-RU" dirty="0" smtClean="0">
-                <a:latin typeface="Times New Roman" pitchFamily="18" charset="0"/>
-                <a:cs typeface="Times New Roman" pitchFamily="18" charset="0"/>
-              </a:rPr>
-              <a:t>Использование подсказок особенно полезно, если вы не уверены в формулировках или хотите уточнить тему.</a:t>
-            </a:r>
-            <a:endParaRPr lang="ru-RU" dirty="0">
-              <a:latin typeface="Times New Roman" pitchFamily="18" charset="0"/>
-              <a:cs typeface="Times New Roman" pitchFamily="18" charset="0"/>
-            </a:endParaRPr>
-          </a:p>
-        </p:txBody>
-      </p:sp>
-      <p:pic>
-        <p:nvPicPr>
-          <p:cNvPr id="24578" name="Picture 2" descr="Подсказки в поиске Консультант Плюс"/>
-          <p:cNvPicPr>
-            <a:picLocks noChangeAspect="1" noChangeArrowheads="1"/>
-          </p:cNvPicPr>
-          <p:nvPr/>
-        </p:nvPicPr>
-        <p:blipFill>
-          <a:blip r:embed="rId2"/>
-          <a:srcRect/>
-          <a:stretch>
-            <a:fillRect/>
-          </a:stretch>
-        </p:blipFill>
-        <p:spPr bwMode="auto">
-          <a:xfrm>
-            <a:off x="0" y="3786190"/>
-            <a:ext cx="9144000" cy="3071809"/>
-          </a:xfrm>
-          <a:prstGeom prst="rect">
-            <a:avLst/>
-          </a:prstGeom>
-          <a:noFill/>
-        </p:spPr>
-      </p:pic>
-    </p:spTree>
-  </p:cSld>
-  <p:clrMapOvr>
-    <a:masterClrMapping/>
-  </p:clrMapOvr>
-</p:sld>
-</file>
-
-<file path=ppt/slides/slide13.xml><?xml version="1.0" encoding="utf-8"?>
-<p:sld xmlns:a="http://schemas.openxmlformats.org/drawingml/2006/main" xmlns:r="http://schemas.openxmlformats.org/officeDocument/2006/relationships" xmlns:p="http://schemas.openxmlformats.org/presentationml/2006/main">
-  <p:cSld>
-    <p:spTree>
-      <p:nvGrpSpPr>
-        <p:cNvPr id="1" name=""/>
-        <p:cNvGrpSpPr/>
-        <p:nvPr/>
-      </p:nvGrpSpPr>
-      <p:grpSpPr>
-        <a:xfrm>
-          <a:off x="0" y="0"/>
-          <a:ext cx="0" cy="0"/>
-          <a:chOff x="0" y="0"/>
-          <a:chExt cx="0" cy="0"/>
-        </a:xfrm>
-      </p:grpSpPr>
-      <p:sp>
-        <p:nvSpPr>
-          <p:cNvPr id="2" name="Заголовок 1"/>
-          <p:cNvSpPr>
-            <a:spLocks noGrp="1"/>
-          </p:cNvSpPr>
-          <p:nvPr>
-            <p:ph type="title"/>
-          </p:nvPr>
-        </p:nvSpPr>
-        <p:spPr>
-          <a:xfrm>
-            <a:off x="457200" y="-24"/>
-            <a:ext cx="8229600" cy="1143000"/>
-          </a:xfrm>
-        </p:spPr>
-        <p:txBody>
-          <a:bodyPr>
-            <a:normAutofit fontScale="90000"/>
-          </a:bodyPr>
-          <a:lstStyle/>
-          <a:p>
-            <a:r>
-              <a:rPr lang="ru-RU" cap="all" dirty="0" smtClean="0"/>
-              <a:t>5 ПРИЁМОВ ПРОДВИНУТОГО ПОИСКА В КОНСУЛЬТАНТПЛЮС</a:t>
-            </a:r>
-            <a:endParaRPr lang="ru-RU" cap="all" dirty="0"/>
-          </a:p>
-        </p:txBody>
-      </p:sp>
-      <p:sp>
-        <p:nvSpPr>
-          <p:cNvPr id="3" name="Прямоугольник 2"/>
-          <p:cNvSpPr/>
-          <p:nvPr/>
-        </p:nvSpPr>
-        <p:spPr>
-          <a:xfrm>
-            <a:off x="0" y="1142984"/>
-            <a:ext cx="9144000" cy="2031325"/>
-          </a:xfrm>
-          <a:prstGeom prst="rect">
-            <a:avLst/>
-          </a:prstGeom>
-          <a:solidFill>
-            <a:schemeClr val="accent3">
-              <a:lumMod val="20000"/>
-              <a:lumOff val="80000"/>
-            </a:schemeClr>
-          </a:solidFill>
-        </p:spPr>
-        <p:txBody>
-          <a:bodyPr wrap="square">
-            <a:spAutoFit/>
-          </a:bodyPr>
-          <a:lstStyle/>
-          <a:p>
-            <a:pPr algn="just"/>
-            <a:r>
-              <a:rPr lang="ru-RU" b="1" cap="all" dirty="0" smtClean="0">
-                <a:latin typeface="Times New Roman" pitchFamily="18" charset="0"/>
-                <a:cs typeface="Times New Roman" pitchFamily="18" charset="0"/>
-              </a:rPr>
-              <a:t>5. </a:t>
-            </a:r>
-            <a:r>
-              <a:rPr lang="ru-RU" b="1" cap="all" dirty="0" smtClean="0">
-                <a:latin typeface="Times New Roman" pitchFamily="18" charset="0"/>
-                <a:cs typeface="Times New Roman" pitchFamily="18" charset="0"/>
-              </a:rPr>
-              <a:t>ИСПОЛЬЗОВАНИЕ «ПРАВОВОГО НАВИГАТОРА»</a:t>
-            </a:r>
-          </a:p>
-          <a:p>
-            <a:pPr algn="just"/>
-            <a:r>
-              <a:rPr lang="ru-RU" dirty="0" smtClean="0">
-                <a:latin typeface="Times New Roman" pitchFamily="18" charset="0"/>
-                <a:cs typeface="Times New Roman" pitchFamily="18" charset="0"/>
-              </a:rPr>
-              <a:t>Если вы не знаете реквизитов нужного документа или не уверены в правильной формулировке запроса, поможет </a:t>
-            </a:r>
-            <a:r>
-              <a:rPr lang="ru-RU" u="sng" dirty="0" smtClean="0">
-                <a:latin typeface="Times New Roman" pitchFamily="18" charset="0"/>
-                <a:cs typeface="Times New Roman" pitchFamily="18" charset="0"/>
-                <a:hlinkClick r:id="rId2"/>
-              </a:rPr>
-              <a:t>Правовой навигатор</a:t>
-            </a:r>
-            <a:r>
-              <a:rPr lang="ru-RU" dirty="0" smtClean="0">
-                <a:latin typeface="Times New Roman" pitchFamily="18" charset="0"/>
-                <a:cs typeface="Times New Roman" pitchFamily="18" charset="0"/>
-              </a:rPr>
-              <a:t>.</a:t>
-            </a:r>
-          </a:p>
-          <a:p>
-            <a:pPr algn="just"/>
-            <a:r>
-              <a:rPr lang="ru-RU" dirty="0" smtClean="0">
-                <a:latin typeface="Times New Roman" pitchFamily="18" charset="0"/>
-                <a:cs typeface="Times New Roman" pitchFamily="18" charset="0"/>
-              </a:rPr>
-              <a:t>Достаточно ввести 1–2 слова, которые описывают вашу ситуацию. Система предложит подходящие ключевые понятия и поможет быстро сузить область поиска.</a:t>
-            </a:r>
-          </a:p>
-          <a:p>
-            <a:pPr algn="just"/>
-            <a:r>
-              <a:rPr lang="ru-RU" dirty="0" smtClean="0">
-                <a:latin typeface="Times New Roman" pitchFamily="18" charset="0"/>
-                <a:cs typeface="Times New Roman" pitchFamily="18" charset="0"/>
-              </a:rPr>
-              <a:t>Это незаменимый инструмент в ситуациях, когда вы сталкиваетесь с незнакомой правовой темой или хотите проверить полноту собранной информации.</a:t>
-            </a:r>
-            <a:endParaRPr lang="ru-RU" dirty="0">
-              <a:latin typeface="Times New Roman" pitchFamily="18" charset="0"/>
-              <a:cs typeface="Times New Roman" pitchFamily="18" charset="0"/>
-            </a:endParaRPr>
-          </a:p>
-        </p:txBody>
-      </p:sp>
-      <p:pic>
-        <p:nvPicPr>
-          <p:cNvPr id="25603" name="Picture 3"/>
-          <p:cNvPicPr>
-            <a:picLocks noChangeAspect="1" noChangeArrowheads="1"/>
-          </p:cNvPicPr>
-          <p:nvPr/>
-        </p:nvPicPr>
-        <p:blipFill>
-          <a:blip r:embed="rId3"/>
-          <a:srcRect/>
-          <a:stretch>
-            <a:fillRect/>
-          </a:stretch>
-        </p:blipFill>
-        <p:spPr bwMode="auto">
-          <a:xfrm>
-            <a:off x="714348" y="3429000"/>
-            <a:ext cx="8086725" cy="1533525"/>
-          </a:xfrm>
-          <a:prstGeom prst="rect">
-            <a:avLst/>
-          </a:prstGeom>
-          <a:noFill/>
-          <a:ln w="9525">
-            <a:noFill/>
-            <a:miter lim="800000"/>
-            <a:headEnd/>
-            <a:tailEnd/>
-          </a:ln>
-          <a:effectLst/>
-        </p:spPr>
-      </p:pic>
-    </p:spTree>
-  </p:cSld>
-  <p:clrMapOvr>
-    <a:masterClrMapping/>
-  </p:clrMapOvr>
-</p:sld>
-</file>
-
-<file path=ppt/slides/slide14.xml><?xml version="1.0" encoding="utf-8"?>
-<p:sld xmlns:a="http://schemas.openxmlformats.org/drawingml/2006/main" xmlns:r="http://schemas.openxmlformats.org/officeDocument/2006/relationships" xmlns:p="http://schemas.openxmlformats.org/presentationml/2006/main">
-  <p:cSld>
-    <p:spTree>
-      <p:nvGrpSpPr>
-        <p:cNvPr id="1" name=""/>
-        <p:cNvGrpSpPr/>
-        <p:nvPr/>
-      </p:nvGrpSpPr>
-      <p:grpSpPr>
-        <a:xfrm>
-          <a:off x="0" y="0"/>
-          <a:ext cx="0" cy="0"/>
-          <a:chOff x="0" y="0"/>
-          <a:chExt cx="0" cy="0"/>
-        </a:xfrm>
-      </p:grpSpPr>
-      <p:sp>
-        <p:nvSpPr>
           <p:cNvPr id="3" name="Прямоугольник 2"/>
           <p:cNvSpPr/>
           <p:nvPr/>
@@ -6208,35 +5434,7 @@
                 <a:latin typeface="Times New Roman" pitchFamily="18" charset="0"/>
                 <a:cs typeface="Times New Roman" pitchFamily="18" charset="0"/>
               </a:rPr>
-              <a:t> помогает юристам оформлять источники благодаря обширной базе правовых и научных материалов (статьи, монографии, диссертации, конференции), возможности быстро искать публикации по ключевым словам и фильтрам, готовым библиографическим описаниям по ГОСТ, интеграции с РИНЦ (проверка цитируемости, индекса </a:t>
-            </a:r>
-            <a:r>
-              <a:rPr lang="ru-RU" dirty="0" err="1" smtClean="0">
-                <a:latin typeface="Times New Roman" pitchFamily="18" charset="0"/>
-                <a:cs typeface="Times New Roman" pitchFamily="18" charset="0"/>
-              </a:rPr>
-              <a:t>Хирша</a:t>
-            </a:r>
-            <a:r>
-              <a:rPr lang="ru-RU" dirty="0" smtClean="0">
-                <a:latin typeface="Times New Roman" pitchFamily="18" charset="0"/>
-                <a:cs typeface="Times New Roman" pitchFamily="18" charset="0"/>
-              </a:rPr>
-              <a:t>, </a:t>
-            </a:r>
-            <a:r>
-              <a:rPr lang="ru-RU" dirty="0" err="1" smtClean="0">
-                <a:latin typeface="Times New Roman" pitchFamily="18" charset="0"/>
-                <a:cs typeface="Times New Roman" pitchFamily="18" charset="0"/>
-              </a:rPr>
-              <a:t>импакт‑фактора</a:t>
-            </a:r>
-            <a:r>
-              <a:rPr lang="ru-RU" dirty="0" smtClean="0">
-                <a:latin typeface="Times New Roman" pitchFamily="18" charset="0"/>
-                <a:cs typeface="Times New Roman" pitchFamily="18" charset="0"/>
-              </a:rPr>
-              <a:t>), разным уровням доступа к текстам (полный, аннотация, только библиография), инструментам персонального учёта (избранные публикации, отслеживание новинок), соответствию требованиям вузов и научных изданий, а также экономии времени за счёт автоматического формирования ссылок и минимизации ошибок при подборе актуальных и авторитетных источников.</a:t>
+              <a:t> помогает юристам оформлять источники благодаря обширной базе правовых и научных материалов (статьи, монографии, диссертации, конференции), возможности быстро искать публикации по ключевым словам и фильтрам, готовым библиографическим описаниям по ГОСТ, интеграции с РИНЦ (проверка цитируемости), разным уровням доступа к текстам (полный, аннотация, только библиография), инструментам персонального учёта (избранные публикации, отслеживание новинок), соответствию требованиям вузов и научных изданий, а также экономии времени за счёт автоматического формирования ссылок и минимизации ошибок при подборе актуальных и авторитетных источников.</a:t>
             </a:r>
             <a:endParaRPr lang="ru-RU" dirty="0">
               <a:latin typeface="Times New Roman" pitchFamily="18" charset="0"/>
@@ -6479,7 +5677,939 @@
 </p:sld>
 </file>
 
+<file path=ppt/slides/slide11.xml><?xml version="1.0" encoding="utf-8"?>
+<p:sld xmlns:a="http://schemas.openxmlformats.org/drawingml/2006/main" xmlns:r="http://schemas.openxmlformats.org/officeDocument/2006/relationships" xmlns:p="http://schemas.openxmlformats.org/presentationml/2006/main">
+  <p:cSld>
+    <p:spTree>
+      <p:nvGrpSpPr>
+        <p:cNvPr id="1" name=""/>
+        <p:cNvGrpSpPr/>
+        <p:nvPr/>
+      </p:nvGrpSpPr>
+      <p:grpSpPr>
+        <a:xfrm>
+          <a:off x="0" y="0"/>
+          <a:ext cx="0" cy="0"/>
+          <a:chOff x="0" y="0"/>
+          <a:chExt cx="0" cy="0"/>
+        </a:xfrm>
+      </p:grpSpPr>
+      <p:sp>
+        <p:nvSpPr>
+          <p:cNvPr id="2" name="Заголовок 1"/>
+          <p:cNvSpPr>
+            <a:spLocks noGrp="1"/>
+          </p:cNvSpPr>
+          <p:nvPr>
+            <p:ph type="title"/>
+          </p:nvPr>
+        </p:nvSpPr>
+        <p:spPr>
+          <a:xfrm>
+            <a:off x="457200" y="-24"/>
+            <a:ext cx="8229600" cy="1143000"/>
+          </a:xfrm>
+        </p:spPr>
+        <p:txBody>
+          <a:bodyPr/>
+          <a:lstStyle/>
+          <a:p>
+            <a:r>
+              <a:rPr lang="ru-RU" dirty="0" smtClean="0"/>
+              <a:t>Справочно-правовые системы</a:t>
+            </a:r>
+            <a:endParaRPr lang="ru-RU" dirty="0"/>
+          </a:p>
+        </p:txBody>
+      </p:sp>
+      <p:sp>
+        <p:nvSpPr>
+          <p:cNvPr id="3" name="Прямоугольник 2"/>
+          <p:cNvSpPr/>
+          <p:nvPr/>
+        </p:nvSpPr>
+        <p:spPr>
+          <a:xfrm>
+            <a:off x="0" y="928670"/>
+            <a:ext cx="9144000" cy="2585323"/>
+          </a:xfrm>
+          <a:prstGeom prst="rect">
+            <a:avLst/>
+          </a:prstGeom>
+          <a:solidFill>
+            <a:schemeClr val="accent3">
+              <a:lumMod val="20000"/>
+              <a:lumOff val="80000"/>
+            </a:schemeClr>
+          </a:solidFill>
+        </p:spPr>
+        <p:txBody>
+          <a:bodyPr wrap="square">
+            <a:spAutoFit/>
+          </a:bodyPr>
+          <a:lstStyle/>
+          <a:p>
+            <a:r>
+              <a:rPr lang="ru-RU" dirty="0" err="1" smtClean="0">
+                <a:latin typeface="Times New Roman" pitchFamily="18" charset="0"/>
+                <a:cs typeface="Times New Roman" pitchFamily="18" charset="0"/>
+              </a:rPr>
+              <a:t>КонсультантПлюс</a:t>
+            </a:r>
+            <a:r>
+              <a:rPr lang="ru-RU" dirty="0" smtClean="0">
+                <a:latin typeface="Times New Roman" pitchFamily="18" charset="0"/>
+                <a:cs typeface="Times New Roman" pitchFamily="18" charset="0"/>
+              </a:rPr>
+              <a:t> (бесплатная версия: </a:t>
+            </a:r>
+            <a:r>
+              <a:rPr lang="en-US" dirty="0" smtClean="0">
+                <a:latin typeface="Times New Roman" pitchFamily="18" charset="0"/>
+                <a:cs typeface="Times New Roman" pitchFamily="18" charset="0"/>
+                <a:hlinkClick r:id="rId2"/>
+              </a:rPr>
+              <a:t>https://www.consultant.ru/cons/cgi/online.cgi?req=home&amp;utm_csource=online&amp;utm_cmedium=button</a:t>
+            </a:r>
+            <a:r>
+              <a:rPr lang="ru-RU" dirty="0" smtClean="0">
+                <a:latin typeface="Times New Roman" pitchFamily="18" charset="0"/>
+                <a:cs typeface="Times New Roman" pitchFamily="18" charset="0"/>
+              </a:rPr>
+              <a:t>) - </a:t>
+            </a:r>
+            <a:r>
+              <a:rPr lang="ru-RU" dirty="0" smtClean="0">
+                <a:solidFill>
+                  <a:srgbClr val="333333"/>
+                </a:solidFill>
+                <a:latin typeface="Times New Roman" pitchFamily="18" charset="0"/>
+                <a:cs typeface="Times New Roman" pitchFamily="18" charset="0"/>
+              </a:rPr>
+              <a:t>справочно-правовая система (СПС), которая содержит нормативные правовые акты, консультации по применению законодательства, материалы периодических изданий, судебную практику и другую полезную информацию. </a:t>
+            </a:r>
+          </a:p>
+          <a:p>
+            <a:endParaRPr lang="ru-RU" dirty="0" smtClean="0">
+              <a:solidFill>
+                <a:srgbClr val="333333"/>
+              </a:solidFill>
+              <a:latin typeface="Times New Roman" pitchFamily="18" charset="0"/>
+              <a:cs typeface="Times New Roman" pitchFamily="18" charset="0"/>
+            </a:endParaRPr>
+          </a:p>
+          <a:p>
+            <a:pPr algn="just"/>
+            <a:r>
+              <a:rPr lang="ru-RU" dirty="0" smtClean="0">
+                <a:latin typeface="Times New Roman" pitchFamily="18" charset="0"/>
+                <a:cs typeface="Times New Roman" pitchFamily="18" charset="0"/>
+              </a:rPr>
+              <a:t>Гарант - это </a:t>
+            </a:r>
+            <a:r>
+              <a:rPr lang="ru-RU" b="1" dirty="0" smtClean="0">
+                <a:latin typeface="Times New Roman" pitchFamily="18" charset="0"/>
+                <a:cs typeface="Times New Roman" pitchFamily="18" charset="0"/>
+              </a:rPr>
+              <a:t>программный комплекс с постоянно обновляемой базой нормативно-правовых актов и других документов</a:t>
+            </a:r>
+            <a:r>
+              <a:rPr lang="ru-RU" dirty="0" smtClean="0">
+                <a:latin typeface="Times New Roman" pitchFamily="18" charset="0"/>
+                <a:cs typeface="Times New Roman" pitchFamily="18" charset="0"/>
+              </a:rPr>
+              <a:t>, который даёт пользователям доступ к актуальной правовой информации и инструменты для работы с ней.</a:t>
+            </a:r>
+            <a:endParaRPr lang="ru-RU" dirty="0">
+              <a:latin typeface="Times New Roman" pitchFamily="18" charset="0"/>
+              <a:cs typeface="Times New Roman" pitchFamily="18" charset="0"/>
+            </a:endParaRPr>
+          </a:p>
+        </p:txBody>
+      </p:sp>
+      <p:pic>
+        <p:nvPicPr>
+          <p:cNvPr id="7170" name="Picture 2" descr="https://avatars.mds.yandex.net/get-entity_search/1270464/858951791/S600xU_2x"/>
+          <p:cNvPicPr>
+            <a:picLocks noChangeAspect="1" noChangeArrowheads="1"/>
+          </p:cNvPicPr>
+          <p:nvPr/>
+        </p:nvPicPr>
+        <p:blipFill>
+          <a:blip r:embed="rId3"/>
+          <a:srcRect/>
+          <a:stretch>
+            <a:fillRect/>
+          </a:stretch>
+        </p:blipFill>
+        <p:spPr bwMode="auto">
+          <a:xfrm>
+            <a:off x="2143108" y="3571876"/>
+            <a:ext cx="4762500" cy="3286124"/>
+          </a:xfrm>
+          <a:prstGeom prst="rect">
+            <a:avLst/>
+          </a:prstGeom>
+          <a:noFill/>
+        </p:spPr>
+      </p:pic>
+    </p:spTree>
+  </p:cSld>
+  <p:clrMapOvr>
+    <a:masterClrMapping/>
+  </p:clrMapOvr>
+</p:sld>
+</file>
+
+<file path=ppt/slides/slide12.xml><?xml version="1.0" encoding="utf-8"?>
+<p:sld xmlns:a="http://schemas.openxmlformats.org/drawingml/2006/main" xmlns:r="http://schemas.openxmlformats.org/officeDocument/2006/relationships" xmlns:p="http://schemas.openxmlformats.org/presentationml/2006/main">
+  <p:cSld>
+    <p:spTree>
+      <p:nvGrpSpPr>
+        <p:cNvPr id="1" name=""/>
+        <p:cNvGrpSpPr/>
+        <p:nvPr/>
+      </p:nvGrpSpPr>
+      <p:grpSpPr>
+        <a:xfrm>
+          <a:off x="0" y="0"/>
+          <a:ext cx="0" cy="0"/>
+          <a:chOff x="0" y="0"/>
+          <a:chExt cx="0" cy="0"/>
+        </a:xfrm>
+      </p:grpSpPr>
+      <p:sp>
+        <p:nvSpPr>
+          <p:cNvPr id="2" name="Заголовок 1"/>
+          <p:cNvSpPr>
+            <a:spLocks noGrp="1"/>
+          </p:cNvSpPr>
+          <p:nvPr>
+            <p:ph type="title"/>
+          </p:nvPr>
+        </p:nvSpPr>
+        <p:spPr>
+          <a:xfrm>
+            <a:off x="457200" y="-24"/>
+            <a:ext cx="8229600" cy="1143000"/>
+          </a:xfrm>
+        </p:spPr>
+        <p:txBody>
+          <a:bodyPr>
+            <a:normAutofit fontScale="90000"/>
+          </a:bodyPr>
+          <a:lstStyle/>
+          <a:p>
+            <a:r>
+              <a:rPr lang="ru-RU" cap="all" dirty="0" smtClean="0"/>
+              <a:t>4 ПРИЁМА ПРОДВИНУТОГО ПОИСКА В КОНСУЛЬТАНТПЛЮС</a:t>
+            </a:r>
+            <a:endParaRPr lang="ru-RU" cap="all" dirty="0"/>
+          </a:p>
+        </p:txBody>
+      </p:sp>
+      <p:sp>
+        <p:nvSpPr>
+          <p:cNvPr id="3" name="Прямоугольник 2"/>
+          <p:cNvSpPr/>
+          <p:nvPr/>
+        </p:nvSpPr>
+        <p:spPr>
+          <a:xfrm>
+            <a:off x="0" y="1357298"/>
+            <a:ext cx="9144000" cy="3139321"/>
+          </a:xfrm>
+          <a:prstGeom prst="rect">
+            <a:avLst/>
+          </a:prstGeom>
+          <a:solidFill>
+            <a:schemeClr val="accent3">
+              <a:lumMod val="20000"/>
+              <a:lumOff val="80000"/>
+            </a:schemeClr>
+          </a:solidFill>
+        </p:spPr>
+        <p:txBody>
+          <a:bodyPr wrap="square">
+            <a:spAutoFit/>
+          </a:bodyPr>
+          <a:lstStyle/>
+          <a:p>
+            <a:pPr algn="just"/>
+            <a:r>
+              <a:rPr lang="ru-RU" b="1" cap="all" dirty="0" smtClean="0">
+                <a:latin typeface="Times New Roman" pitchFamily="18" charset="0"/>
+                <a:cs typeface="Times New Roman" pitchFamily="18" charset="0"/>
+              </a:rPr>
+              <a:t>1. ОГРАНИЧЕНИЕ ОБЛАСТИ ПОИСКА С ПОМОЩЬЮ ВКЛАДОК</a:t>
+            </a:r>
+          </a:p>
+          <a:p>
+            <a:pPr algn="just"/>
+            <a:r>
+              <a:rPr lang="ru-RU" dirty="0" smtClean="0">
+                <a:latin typeface="Times New Roman" pitchFamily="18" charset="0"/>
+                <a:cs typeface="Times New Roman" pitchFamily="18" charset="0"/>
+              </a:rPr>
+              <a:t>Один из самых простых способов сразу сузить поиск — использовать вкладки в окне </a:t>
+            </a:r>
+            <a:r>
+              <a:rPr lang="ru-RU" b="1" dirty="0" smtClean="0">
+                <a:latin typeface="Times New Roman" pitchFamily="18" charset="0"/>
+                <a:cs typeface="Times New Roman" pitchFamily="18" charset="0"/>
+              </a:rPr>
+              <a:t>Быстрого поиска</a:t>
+            </a:r>
+            <a:r>
+              <a:rPr lang="ru-RU" dirty="0" smtClean="0">
+                <a:latin typeface="Times New Roman" pitchFamily="18" charset="0"/>
+                <a:cs typeface="Times New Roman" pitchFamily="18" charset="0"/>
+              </a:rPr>
+              <a:t>. Вы можете заранее выбрать тип документов, которые хотите найти:</a:t>
+            </a:r>
+          </a:p>
+          <a:p>
+            <a:pPr algn="just"/>
+            <a:r>
+              <a:rPr lang="ru-RU" b="1" dirty="0" smtClean="0">
+                <a:latin typeface="Times New Roman" pitchFamily="18" charset="0"/>
+                <a:cs typeface="Times New Roman" pitchFamily="18" charset="0"/>
+              </a:rPr>
+              <a:t>Законодательство</a:t>
+            </a:r>
+            <a:endParaRPr lang="ru-RU" dirty="0" smtClean="0">
+              <a:latin typeface="Times New Roman" pitchFamily="18" charset="0"/>
+              <a:cs typeface="Times New Roman" pitchFamily="18" charset="0"/>
+            </a:endParaRPr>
+          </a:p>
+          <a:p>
+            <a:pPr algn="just"/>
+            <a:r>
+              <a:rPr lang="ru-RU" b="1" dirty="0" smtClean="0">
+                <a:latin typeface="Times New Roman" pitchFamily="18" charset="0"/>
+                <a:cs typeface="Times New Roman" pitchFamily="18" charset="0"/>
+              </a:rPr>
+              <a:t>Судебная практика</a:t>
+            </a:r>
+            <a:endParaRPr lang="ru-RU" dirty="0" smtClean="0">
+              <a:latin typeface="Times New Roman" pitchFamily="18" charset="0"/>
+              <a:cs typeface="Times New Roman" pitchFamily="18" charset="0"/>
+            </a:endParaRPr>
+          </a:p>
+          <a:p>
+            <a:pPr algn="just"/>
+            <a:r>
+              <a:rPr lang="ru-RU" b="1" dirty="0" smtClean="0">
+                <a:latin typeface="Times New Roman" pitchFamily="18" charset="0"/>
+                <a:cs typeface="Times New Roman" pitchFamily="18" charset="0"/>
+              </a:rPr>
+              <a:t>Консультации</a:t>
+            </a:r>
+            <a:endParaRPr lang="ru-RU" dirty="0" smtClean="0">
+              <a:latin typeface="Times New Roman" pitchFamily="18" charset="0"/>
+              <a:cs typeface="Times New Roman" pitchFamily="18" charset="0"/>
+            </a:endParaRPr>
+          </a:p>
+          <a:p>
+            <a:pPr algn="just"/>
+            <a:r>
+              <a:rPr lang="ru-RU" b="1" dirty="0" smtClean="0">
+                <a:latin typeface="Times New Roman" pitchFamily="18" charset="0"/>
+                <a:cs typeface="Times New Roman" pitchFamily="18" charset="0"/>
+              </a:rPr>
+              <a:t>Формы документов</a:t>
+            </a:r>
+            <a:endParaRPr lang="ru-RU" dirty="0" smtClean="0">
+              <a:latin typeface="Times New Roman" pitchFamily="18" charset="0"/>
+              <a:cs typeface="Times New Roman" pitchFamily="18" charset="0"/>
+            </a:endParaRPr>
+          </a:p>
+          <a:p>
+            <a:pPr algn="just"/>
+            <a:r>
+              <a:rPr lang="ru-RU" dirty="0" smtClean="0">
+                <a:latin typeface="Times New Roman" pitchFamily="18" charset="0"/>
+                <a:cs typeface="Times New Roman" pitchFamily="18" charset="0"/>
+              </a:rPr>
+              <a:t>Это удобно, если вы точно знаете, что ищете, например, только судебные решения или консультации экспертов. Такой подход позволяет исключить лишние результаты и сосредоточиться на нужных данных.</a:t>
+            </a:r>
+            <a:endParaRPr lang="ru-RU" dirty="0">
+              <a:latin typeface="Times New Roman" pitchFamily="18" charset="0"/>
+              <a:cs typeface="Times New Roman" pitchFamily="18" charset="0"/>
+            </a:endParaRPr>
+          </a:p>
+        </p:txBody>
+      </p:sp>
+      <p:pic>
+        <p:nvPicPr>
+          <p:cNvPr id="22530" name="Picture 2" descr="Вкладки интерфейса Консультант Плюс"/>
+          <p:cNvPicPr>
+            <a:picLocks noChangeAspect="1" noChangeArrowheads="1"/>
+          </p:cNvPicPr>
+          <p:nvPr/>
+        </p:nvPicPr>
+        <p:blipFill>
+          <a:blip r:embed="rId2"/>
+          <a:srcRect/>
+          <a:stretch>
+            <a:fillRect/>
+          </a:stretch>
+        </p:blipFill>
+        <p:spPr bwMode="auto">
+          <a:xfrm>
+            <a:off x="1428728" y="4595790"/>
+            <a:ext cx="6144162" cy="2262210"/>
+          </a:xfrm>
+          <a:prstGeom prst="rect">
+            <a:avLst/>
+          </a:prstGeom>
+          <a:noFill/>
+        </p:spPr>
+      </p:pic>
+    </p:spTree>
+  </p:cSld>
+  <p:clrMapOvr>
+    <a:masterClrMapping/>
+  </p:clrMapOvr>
+</p:sld>
+</file>
+
+<file path=ppt/slides/slide13.xml><?xml version="1.0" encoding="utf-8"?>
+<p:sld xmlns:a="http://schemas.openxmlformats.org/drawingml/2006/main" xmlns:r="http://schemas.openxmlformats.org/officeDocument/2006/relationships" xmlns:p="http://schemas.openxmlformats.org/presentationml/2006/main">
+  <p:cSld>
+    <p:spTree>
+      <p:nvGrpSpPr>
+        <p:cNvPr id="1" name=""/>
+        <p:cNvGrpSpPr/>
+        <p:nvPr/>
+      </p:nvGrpSpPr>
+      <p:grpSpPr>
+        <a:xfrm>
+          <a:off x="0" y="0"/>
+          <a:ext cx="0" cy="0"/>
+          <a:chOff x="0" y="0"/>
+          <a:chExt cx="0" cy="0"/>
+        </a:xfrm>
+      </p:grpSpPr>
+      <p:sp>
+        <p:nvSpPr>
+          <p:cNvPr id="2" name="Заголовок 1"/>
+          <p:cNvSpPr>
+            <a:spLocks noGrp="1"/>
+          </p:cNvSpPr>
+          <p:nvPr>
+            <p:ph type="title"/>
+          </p:nvPr>
+        </p:nvSpPr>
+        <p:spPr>
+          <a:xfrm>
+            <a:off x="457200" y="-24"/>
+            <a:ext cx="8229600" cy="1143000"/>
+          </a:xfrm>
+        </p:spPr>
+        <p:txBody>
+          <a:bodyPr>
+            <a:normAutofit fontScale="90000"/>
+          </a:bodyPr>
+          <a:lstStyle/>
+          <a:p>
+            <a:r>
+              <a:rPr lang="ru-RU" cap="all" dirty="0" smtClean="0"/>
+              <a:t>4 ПРИЁМА ПРОДВИНУТОГО ПОИСКА В КОНСУЛЬТАНТПЛЮС</a:t>
+            </a:r>
+            <a:endParaRPr lang="ru-RU" cap="all" dirty="0"/>
+          </a:p>
+        </p:txBody>
+      </p:sp>
+      <p:sp>
+        <p:nvSpPr>
+          <p:cNvPr id="3" name="Прямоугольник 2"/>
+          <p:cNvSpPr/>
+          <p:nvPr/>
+        </p:nvSpPr>
+        <p:spPr>
+          <a:xfrm>
+            <a:off x="0" y="1357298"/>
+            <a:ext cx="9144000" cy="2308324"/>
+          </a:xfrm>
+          <a:prstGeom prst="rect">
+            <a:avLst/>
+          </a:prstGeom>
+          <a:solidFill>
+            <a:schemeClr val="accent3">
+              <a:lumMod val="20000"/>
+              <a:lumOff val="80000"/>
+            </a:schemeClr>
+          </a:solidFill>
+        </p:spPr>
+        <p:txBody>
+          <a:bodyPr wrap="square">
+            <a:spAutoFit/>
+          </a:bodyPr>
+          <a:lstStyle/>
+          <a:p>
+            <a:pPr algn="just"/>
+            <a:r>
+              <a:rPr lang="ru-RU" b="1" cap="all" dirty="0" smtClean="0">
+                <a:latin typeface="Times New Roman" pitchFamily="18" charset="0"/>
+                <a:cs typeface="Times New Roman" pitchFamily="18" charset="0"/>
+              </a:rPr>
+              <a:t>2. ПОСТРОЕНИЕ ПОЛНОГО СПИСКА ДОКУМЕНТОВ</a:t>
+            </a:r>
+          </a:p>
+          <a:p>
+            <a:pPr algn="just"/>
+            <a:r>
+              <a:rPr lang="ru-RU" dirty="0" smtClean="0">
+                <a:latin typeface="Times New Roman" pitchFamily="18" charset="0"/>
+                <a:cs typeface="Times New Roman" pitchFamily="18" charset="0"/>
+              </a:rPr>
+              <a:t>Стандартный поиск в </a:t>
+            </a:r>
+            <a:r>
+              <a:rPr lang="ru-RU" dirty="0" err="1" smtClean="0">
+                <a:latin typeface="Times New Roman" pitchFamily="18" charset="0"/>
+                <a:cs typeface="Times New Roman" pitchFamily="18" charset="0"/>
+              </a:rPr>
+              <a:t>КонсультантПлюс</a:t>
+            </a:r>
+            <a:r>
+              <a:rPr lang="ru-RU" dirty="0" smtClean="0">
+                <a:latin typeface="Times New Roman" pitchFamily="18" charset="0"/>
+                <a:cs typeface="Times New Roman" pitchFamily="18" charset="0"/>
+              </a:rPr>
+              <a:t> сначала формирует сокращённый список самых важных документов. Если вам нужно провести более глубокий анализ и рассмотреть все найденные материалы, воспользуйтесь ссылкой </a:t>
+            </a:r>
+            <a:r>
+              <a:rPr lang="ru-RU" b="1" dirty="0" smtClean="0">
+                <a:latin typeface="Times New Roman" pitchFamily="18" charset="0"/>
+                <a:cs typeface="Times New Roman" pitchFamily="18" charset="0"/>
+              </a:rPr>
+              <a:t>«Все результаты поиска»</a:t>
+            </a:r>
+            <a:r>
+              <a:rPr lang="ru-RU" dirty="0" smtClean="0">
+                <a:latin typeface="Times New Roman" pitchFamily="18" charset="0"/>
+                <a:cs typeface="Times New Roman" pitchFamily="18" charset="0"/>
+              </a:rPr>
+              <a:t>. Она откроет полный список документов из всех разделов и информационных банков.</a:t>
+            </a:r>
+          </a:p>
+          <a:p>
+            <a:pPr algn="just"/>
+            <a:r>
+              <a:rPr lang="ru-RU" dirty="0" smtClean="0">
+                <a:latin typeface="Times New Roman" pitchFamily="18" charset="0"/>
+                <a:cs typeface="Times New Roman" pitchFamily="18" charset="0"/>
+              </a:rPr>
+              <a:t>Этот приём незаменим, если вы готовите комплексное заключение или хотите учесть все аспекты правового вопроса, включая законодательство, судебную практику и консультации.</a:t>
+            </a:r>
+            <a:endParaRPr lang="ru-RU" dirty="0">
+              <a:latin typeface="Times New Roman" pitchFamily="18" charset="0"/>
+              <a:cs typeface="Times New Roman" pitchFamily="18" charset="0"/>
+            </a:endParaRPr>
+          </a:p>
+        </p:txBody>
+      </p:sp>
+      <p:pic>
+        <p:nvPicPr>
+          <p:cNvPr id="23554" name="Picture 2"/>
+          <p:cNvPicPr>
+            <a:picLocks noChangeAspect="1" noChangeArrowheads="1"/>
+          </p:cNvPicPr>
+          <p:nvPr/>
+        </p:nvPicPr>
+        <p:blipFill>
+          <a:blip r:embed="rId2"/>
+          <a:srcRect/>
+          <a:stretch>
+            <a:fillRect/>
+          </a:stretch>
+        </p:blipFill>
+        <p:spPr bwMode="auto">
+          <a:xfrm>
+            <a:off x="-90878" y="3786190"/>
+            <a:ext cx="9234878" cy="2743213"/>
+          </a:xfrm>
+          <a:prstGeom prst="rect">
+            <a:avLst/>
+          </a:prstGeom>
+          <a:noFill/>
+          <a:ln w="9525">
+            <a:noFill/>
+            <a:miter lim="800000"/>
+            <a:headEnd/>
+            <a:tailEnd/>
+          </a:ln>
+          <a:effectLst/>
+        </p:spPr>
+      </p:pic>
+    </p:spTree>
+  </p:cSld>
+  <p:clrMapOvr>
+    <a:masterClrMapping/>
+  </p:clrMapOvr>
+</p:sld>
+</file>
+
+<file path=ppt/slides/slide14.xml><?xml version="1.0" encoding="utf-8"?>
+<p:sld xmlns:a="http://schemas.openxmlformats.org/drawingml/2006/main" xmlns:r="http://schemas.openxmlformats.org/officeDocument/2006/relationships" xmlns:p="http://schemas.openxmlformats.org/presentationml/2006/main">
+  <p:cSld>
+    <p:spTree>
+      <p:nvGrpSpPr>
+        <p:cNvPr id="1" name=""/>
+        <p:cNvGrpSpPr/>
+        <p:nvPr/>
+      </p:nvGrpSpPr>
+      <p:grpSpPr>
+        <a:xfrm>
+          <a:off x="0" y="0"/>
+          <a:ext cx="0" cy="0"/>
+          <a:chOff x="0" y="0"/>
+          <a:chExt cx="0" cy="0"/>
+        </a:xfrm>
+      </p:grpSpPr>
+      <p:sp>
+        <p:nvSpPr>
+          <p:cNvPr id="2" name="Заголовок 1"/>
+          <p:cNvSpPr>
+            <a:spLocks noGrp="1"/>
+          </p:cNvSpPr>
+          <p:nvPr>
+            <p:ph type="title"/>
+          </p:nvPr>
+        </p:nvSpPr>
+        <p:spPr>
+          <a:xfrm>
+            <a:off x="457200" y="-24"/>
+            <a:ext cx="8229600" cy="1143000"/>
+          </a:xfrm>
+        </p:spPr>
+        <p:txBody>
+          <a:bodyPr>
+            <a:normAutofit fontScale="90000"/>
+          </a:bodyPr>
+          <a:lstStyle/>
+          <a:p>
+            <a:r>
+              <a:rPr lang="ru-RU" cap="all" dirty="0" smtClean="0"/>
+              <a:t>4 ПРИЁМА ПРОДВИНУТОГО ПОИСКА В КОНСУЛЬТАНТПЛЮС</a:t>
+            </a:r>
+            <a:endParaRPr lang="ru-RU" cap="all" dirty="0"/>
+          </a:p>
+        </p:txBody>
+      </p:sp>
+      <p:sp>
+        <p:nvSpPr>
+          <p:cNvPr id="3" name="Прямоугольник 2"/>
+          <p:cNvSpPr/>
+          <p:nvPr/>
+        </p:nvSpPr>
+        <p:spPr>
+          <a:xfrm>
+            <a:off x="0" y="1142984"/>
+            <a:ext cx="9144000" cy="2585323"/>
+          </a:xfrm>
+          <a:prstGeom prst="rect">
+            <a:avLst/>
+          </a:prstGeom>
+          <a:solidFill>
+            <a:schemeClr val="accent3">
+              <a:lumMod val="20000"/>
+              <a:lumOff val="80000"/>
+            </a:schemeClr>
+          </a:solidFill>
+        </p:spPr>
+        <p:txBody>
+          <a:bodyPr wrap="square">
+            <a:spAutoFit/>
+          </a:bodyPr>
+          <a:lstStyle/>
+          <a:p>
+            <a:pPr algn="just"/>
+            <a:r>
+              <a:rPr lang="ru-RU" b="1" cap="all" dirty="0" smtClean="0">
+                <a:latin typeface="Times New Roman" pitchFamily="18" charset="0"/>
+                <a:cs typeface="Times New Roman" pitchFamily="18" charset="0"/>
+              </a:rPr>
+              <a:t>3. ИСПОЛЬЗОВАНИЕ ПОДСКАЗОК ПРИ ВВОДЕ ЗАПРОСА</a:t>
+            </a:r>
+          </a:p>
+          <a:p>
+            <a:pPr algn="just"/>
+            <a:r>
+              <a:rPr lang="ru-RU" dirty="0" smtClean="0">
+                <a:latin typeface="Times New Roman" pitchFamily="18" charset="0"/>
+                <a:cs typeface="Times New Roman" pitchFamily="18" charset="0"/>
+              </a:rPr>
+              <a:t>Когда вы начинаете вводить запрос в строку , система предлагает популярные поисковые выражения и уточнения. Это помогает быстрее формулировать запрос и находить нужную информацию без лишних уточняющих поисков.</a:t>
+            </a:r>
+          </a:p>
+          <a:p>
+            <a:pPr algn="just"/>
+            <a:r>
+              <a:rPr lang="ru-RU" dirty="0" smtClean="0">
+                <a:latin typeface="Times New Roman" pitchFamily="18" charset="0"/>
+                <a:cs typeface="Times New Roman" pitchFamily="18" charset="0"/>
+              </a:rPr>
+              <a:t>Например, при вводе слов </a:t>
+            </a:r>
+            <a:r>
+              <a:rPr lang="ru-RU" i="1" dirty="0" smtClean="0">
+                <a:latin typeface="Times New Roman" pitchFamily="18" charset="0"/>
+                <a:cs typeface="Times New Roman" pitchFamily="18" charset="0"/>
+              </a:rPr>
+              <a:t>«налог на прибыль»</a:t>
+            </a:r>
+            <a:r>
+              <a:rPr lang="ru-RU" dirty="0" smtClean="0">
+                <a:latin typeface="Times New Roman" pitchFamily="18" charset="0"/>
+                <a:cs typeface="Times New Roman" pitchFamily="18" charset="0"/>
+              </a:rPr>
+              <a:t> вы сразу увидите варианты уточнений: </a:t>
+            </a:r>
+            <a:r>
+              <a:rPr lang="ru-RU" i="1" dirty="0" smtClean="0">
+                <a:latin typeface="Times New Roman" pitchFamily="18" charset="0"/>
+                <a:cs typeface="Times New Roman" pitchFamily="18" charset="0"/>
+              </a:rPr>
+              <a:t>«авансовые платежи по налогу на прибыль», «декларация по налогу на прибыль»</a:t>
+            </a:r>
+            <a:r>
+              <a:rPr lang="ru-RU" dirty="0" smtClean="0">
+                <a:latin typeface="Times New Roman" pitchFamily="18" charset="0"/>
+                <a:cs typeface="Times New Roman" pitchFamily="18" charset="0"/>
+              </a:rPr>
+              <a:t>.</a:t>
+            </a:r>
+          </a:p>
+          <a:p>
+            <a:pPr algn="just"/>
+            <a:r>
+              <a:rPr lang="ru-RU" dirty="0" smtClean="0">
+                <a:latin typeface="Times New Roman" pitchFamily="18" charset="0"/>
+                <a:cs typeface="Times New Roman" pitchFamily="18" charset="0"/>
+              </a:rPr>
+              <a:t>Использование подсказок особенно полезно, если вы не уверены в формулировках или хотите уточнить тему.</a:t>
+            </a:r>
+            <a:endParaRPr lang="ru-RU" dirty="0">
+              <a:latin typeface="Times New Roman" pitchFamily="18" charset="0"/>
+              <a:cs typeface="Times New Roman" pitchFamily="18" charset="0"/>
+            </a:endParaRPr>
+          </a:p>
+        </p:txBody>
+      </p:sp>
+      <p:pic>
+        <p:nvPicPr>
+          <p:cNvPr id="24578" name="Picture 2" descr="Подсказки в поиске Консультант Плюс"/>
+          <p:cNvPicPr>
+            <a:picLocks noChangeAspect="1" noChangeArrowheads="1"/>
+          </p:cNvPicPr>
+          <p:nvPr/>
+        </p:nvPicPr>
+        <p:blipFill>
+          <a:blip r:embed="rId2"/>
+          <a:srcRect/>
+          <a:stretch>
+            <a:fillRect/>
+          </a:stretch>
+        </p:blipFill>
+        <p:spPr bwMode="auto">
+          <a:xfrm>
+            <a:off x="0" y="3786190"/>
+            <a:ext cx="9144000" cy="3071809"/>
+          </a:xfrm>
+          <a:prstGeom prst="rect">
+            <a:avLst/>
+          </a:prstGeom>
+          <a:noFill/>
+        </p:spPr>
+      </p:pic>
+    </p:spTree>
+  </p:cSld>
+  <p:clrMapOvr>
+    <a:masterClrMapping/>
+  </p:clrMapOvr>
+</p:sld>
+</file>
+
 <file path=ppt/slides/slide15.xml><?xml version="1.0" encoding="utf-8"?>
+<p:sld xmlns:a="http://schemas.openxmlformats.org/drawingml/2006/main" xmlns:r="http://schemas.openxmlformats.org/officeDocument/2006/relationships" xmlns:p="http://schemas.openxmlformats.org/presentationml/2006/main">
+  <p:cSld>
+    <p:spTree>
+      <p:nvGrpSpPr>
+        <p:cNvPr id="1" name=""/>
+        <p:cNvGrpSpPr/>
+        <p:nvPr/>
+      </p:nvGrpSpPr>
+      <p:grpSpPr>
+        <a:xfrm>
+          <a:off x="0" y="0"/>
+          <a:ext cx="0" cy="0"/>
+          <a:chOff x="0" y="0"/>
+          <a:chExt cx="0" cy="0"/>
+        </a:xfrm>
+      </p:grpSpPr>
+      <p:sp>
+        <p:nvSpPr>
+          <p:cNvPr id="2" name="Заголовок 1"/>
+          <p:cNvSpPr>
+            <a:spLocks noGrp="1"/>
+          </p:cNvSpPr>
+          <p:nvPr>
+            <p:ph type="title"/>
+          </p:nvPr>
+        </p:nvSpPr>
+        <p:spPr>
+          <a:xfrm>
+            <a:off x="457200" y="-24"/>
+            <a:ext cx="8229600" cy="1143000"/>
+          </a:xfrm>
+        </p:spPr>
+        <p:txBody>
+          <a:bodyPr>
+            <a:normAutofit fontScale="90000"/>
+          </a:bodyPr>
+          <a:lstStyle/>
+          <a:p>
+            <a:r>
+              <a:rPr lang="ru-RU" cap="all" dirty="0" smtClean="0"/>
+              <a:t>4 ПРИЁМА ПРОДВИНУТОГО ПОИСКА В КОНСУЛЬТАНТПЛЮС</a:t>
+            </a:r>
+            <a:endParaRPr lang="ru-RU" cap="all" dirty="0"/>
+          </a:p>
+        </p:txBody>
+      </p:sp>
+      <p:sp>
+        <p:nvSpPr>
+          <p:cNvPr id="3" name="Прямоугольник 2"/>
+          <p:cNvSpPr/>
+          <p:nvPr/>
+        </p:nvSpPr>
+        <p:spPr>
+          <a:xfrm>
+            <a:off x="0" y="1142984"/>
+            <a:ext cx="9144000" cy="2031325"/>
+          </a:xfrm>
+          <a:prstGeom prst="rect">
+            <a:avLst/>
+          </a:prstGeom>
+          <a:solidFill>
+            <a:schemeClr val="accent3">
+              <a:lumMod val="20000"/>
+              <a:lumOff val="80000"/>
+            </a:schemeClr>
+          </a:solidFill>
+        </p:spPr>
+        <p:txBody>
+          <a:bodyPr wrap="square">
+            <a:spAutoFit/>
+          </a:bodyPr>
+          <a:lstStyle/>
+          <a:p>
+            <a:pPr algn="just"/>
+            <a:r>
+              <a:rPr lang="ru-RU" b="1" cap="all" dirty="0" smtClean="0">
+                <a:latin typeface="Times New Roman" pitchFamily="18" charset="0"/>
+                <a:cs typeface="Times New Roman" pitchFamily="18" charset="0"/>
+              </a:rPr>
+              <a:t>4. ИСПОЛЬЗОВАНИЕ «ПРАВОВОГО НАВИГАТОРА»</a:t>
+            </a:r>
+          </a:p>
+          <a:p>
+            <a:pPr algn="just"/>
+            <a:r>
+              <a:rPr lang="ru-RU" dirty="0" smtClean="0">
+                <a:latin typeface="Times New Roman" pitchFamily="18" charset="0"/>
+                <a:cs typeface="Times New Roman" pitchFamily="18" charset="0"/>
+              </a:rPr>
+              <a:t>Если вы не знаете реквизитов нужного документа или не уверены в правильной формулировке запроса, поможет </a:t>
+            </a:r>
+            <a:r>
+              <a:rPr lang="ru-RU" u="sng" dirty="0" smtClean="0">
+                <a:latin typeface="Times New Roman" pitchFamily="18" charset="0"/>
+                <a:cs typeface="Times New Roman" pitchFamily="18" charset="0"/>
+                <a:hlinkClick r:id="rId2"/>
+              </a:rPr>
+              <a:t>Правовой навигатор</a:t>
+            </a:r>
+            <a:r>
+              <a:rPr lang="ru-RU" dirty="0" smtClean="0">
+                <a:latin typeface="Times New Roman" pitchFamily="18" charset="0"/>
+                <a:cs typeface="Times New Roman" pitchFamily="18" charset="0"/>
+              </a:rPr>
+              <a:t>.</a:t>
+            </a:r>
+          </a:p>
+          <a:p>
+            <a:pPr algn="just"/>
+            <a:r>
+              <a:rPr lang="ru-RU" dirty="0" smtClean="0">
+                <a:latin typeface="Times New Roman" pitchFamily="18" charset="0"/>
+                <a:cs typeface="Times New Roman" pitchFamily="18" charset="0"/>
+              </a:rPr>
+              <a:t>Достаточно ввести 1–2 слова, которые описывают вашу ситуацию. Система предложит подходящие ключевые понятия и поможет быстро сузить область поиска.</a:t>
+            </a:r>
+          </a:p>
+          <a:p>
+            <a:pPr algn="just"/>
+            <a:r>
+              <a:rPr lang="ru-RU" dirty="0" smtClean="0">
+                <a:latin typeface="Times New Roman" pitchFamily="18" charset="0"/>
+                <a:cs typeface="Times New Roman" pitchFamily="18" charset="0"/>
+              </a:rPr>
+              <a:t>Это незаменимый инструмент в ситуациях, когда вы сталкиваетесь с незнакомой правовой темой или хотите проверить полноту собранной информации.</a:t>
+            </a:r>
+            <a:endParaRPr lang="ru-RU" dirty="0">
+              <a:latin typeface="Times New Roman" pitchFamily="18" charset="0"/>
+              <a:cs typeface="Times New Roman" pitchFamily="18" charset="0"/>
+            </a:endParaRPr>
+          </a:p>
+        </p:txBody>
+      </p:sp>
+      <p:pic>
+        <p:nvPicPr>
+          <p:cNvPr id="25603" name="Picture 3"/>
+          <p:cNvPicPr>
+            <a:picLocks noChangeAspect="1" noChangeArrowheads="1"/>
+          </p:cNvPicPr>
+          <p:nvPr/>
+        </p:nvPicPr>
+        <p:blipFill>
+          <a:blip r:embed="rId3"/>
+          <a:srcRect/>
+          <a:stretch>
+            <a:fillRect/>
+          </a:stretch>
+        </p:blipFill>
+        <p:spPr bwMode="auto">
+          <a:xfrm>
+            <a:off x="714348" y="3429000"/>
+            <a:ext cx="8086725" cy="1533525"/>
+          </a:xfrm>
+          <a:prstGeom prst="rect">
+            <a:avLst/>
+          </a:prstGeom>
+          <a:noFill/>
+          <a:ln w="9525">
+            <a:noFill/>
+            <a:miter lim="800000"/>
+            <a:headEnd/>
+            <a:tailEnd/>
+          </a:ln>
+          <a:effectLst/>
+        </p:spPr>
+      </p:pic>
+    </p:spTree>
+  </p:cSld>
+  <p:clrMapOvr>
+    <a:masterClrMapping/>
+  </p:clrMapOvr>
+</p:sld>
+</file>
+
+<file path=ppt/slides/slide16.xml><?xml version="1.0" encoding="utf-8"?>
 <p:sld xmlns:a="http://schemas.openxmlformats.org/drawingml/2006/main" xmlns:r="http://schemas.openxmlformats.org/officeDocument/2006/relationships" xmlns:p="http://schemas.openxmlformats.org/presentationml/2006/main">
   <p:cSld>
     <p:spTree>
@@ -6564,28 +6694,7 @@
                 <a:latin typeface="Times New Roman" pitchFamily="18" charset="0"/>
                 <a:cs typeface="Times New Roman" pitchFamily="18" charset="0"/>
               </a:rPr>
-              <a:t>) - С </a:t>
-            </a:r>
-            <a:r>
-              <a:rPr lang="ru-RU" dirty="0" smtClean="0">
-                <a:latin typeface="Times New Roman" pitchFamily="18" charset="0"/>
-                <a:cs typeface="Times New Roman" pitchFamily="18" charset="0"/>
-              </a:rPr>
-              <a:t>помощью искусственного интеллекта бот позволяет за секунды </a:t>
-            </a:r>
-            <a:r>
-              <a:rPr lang="ru-RU" dirty="0" smtClean="0">
-                <a:latin typeface="Times New Roman" pitchFamily="18" charset="0"/>
-                <a:cs typeface="Times New Roman" pitchFamily="18" charset="0"/>
-              </a:rPr>
-              <a:t>переписать </a:t>
-            </a:r>
-            <a:r>
-              <a:rPr lang="ru-RU" dirty="0" smtClean="0">
-                <a:latin typeface="Times New Roman" pitchFamily="18" charset="0"/>
-                <a:cs typeface="Times New Roman" pitchFamily="18" charset="0"/>
-              </a:rPr>
-              <a:t>или расширить текст.</a:t>
+              <a:t>) - С помощью искусственного интеллекта бот позволяет за секунды переписать или расширить текст.</a:t>
             </a:r>
             <a:endParaRPr lang="ru-RU" dirty="0">
               <a:latin typeface="Times New Roman" pitchFamily="18" charset="0"/>
@@ -6633,7 +6742,7 @@
         <p:spPr>
           <a:xfrm>
             <a:off x="0" y="3071810"/>
-            <a:ext cx="9144000" cy="3693319"/>
+            <a:ext cx="9144000" cy="3970318"/>
           </a:xfrm>
           <a:prstGeom prst="rect">
             <a:avLst/>
@@ -6654,154 +6763,102 @@
                 <a:latin typeface="Times New Roman" pitchFamily="18" charset="0"/>
                 <a:cs typeface="Times New Roman" pitchFamily="18" charset="0"/>
               </a:rPr>
-              <a:t>Не нужно </a:t>
-            </a:r>
+              <a:t>Не нужно сразу прибегать к помощи искусственного интеллекта, чтобы найти текст нормативного акта или другой юридической информации — это легко сделать и обычными способами. Достаточно зайти в интернет и воспользоваться:</a:t>
+            </a:r>
+          </a:p>
+          <a:p>
+            <a:pPr algn="just">
+              <a:buFont typeface="Arial" pitchFamily="34" charset="0"/>
+              <a:buChar char="•"/>
+            </a:pPr>
             <a:r>
               <a:rPr lang="ru-RU" dirty="0" smtClean="0">
                 <a:latin typeface="Times New Roman" pitchFamily="18" charset="0"/>
                 <a:cs typeface="Times New Roman" pitchFamily="18" charset="0"/>
               </a:rPr>
-              <a:t>сразу прибегать </a:t>
+              <a:t>официальными источниками (например, портал правовой информации </a:t>
+            </a:r>
+            <a:r>
+              <a:rPr lang="ru-RU" dirty="0" err="1" smtClean="0">
+                <a:latin typeface="Times New Roman" pitchFamily="18" charset="0"/>
+                <a:cs typeface="Times New Roman" pitchFamily="18" charset="0"/>
+              </a:rPr>
+              <a:t>pravo.gov.ru</a:t>
             </a:r>
             <a:r>
               <a:rPr lang="ru-RU" dirty="0" smtClean="0">
                 <a:latin typeface="Times New Roman" pitchFamily="18" charset="0"/>
                 <a:cs typeface="Times New Roman" pitchFamily="18" charset="0"/>
               </a:rPr>
-              <a:t>к помощи искусственного интеллекта, чтобы найти текст нормативного акта — это легко сделать и обычными способами. Достаточно зайти в интернет и воспользоваться</a:t>
-            </a:r>
+              <a:t>, сайт Госдумы, «Российская газета» — там публикуются законы в их окончательной, официальной редакции);</a:t>
+            </a:r>
+          </a:p>
+          <a:p>
+            <a:pPr algn="just">
+              <a:buFont typeface="Arial" pitchFamily="34" charset="0"/>
+              <a:buChar char="•"/>
+            </a:pPr>
             <a:r>
               <a:rPr lang="ru-RU" dirty="0" smtClean="0">
                 <a:latin typeface="Times New Roman" pitchFamily="18" charset="0"/>
                 <a:cs typeface="Times New Roman" pitchFamily="18" charset="0"/>
               </a:rPr>
-              <a:t>:</a:t>
-            </a:r>
-            <a:endParaRPr lang="ru-RU" dirty="0" smtClean="0">
-              <a:latin typeface="Times New Roman" pitchFamily="18" charset="0"/>
-              <a:cs typeface="Times New Roman" pitchFamily="18" charset="0"/>
-            </a:endParaRPr>
-          </a:p>
-          <a:p>
-            <a:pPr algn="just"/>
+              <a:t>Другими популярными справочными системами (не только «</a:t>
+            </a:r>
+            <a:r>
+              <a:rPr lang="ru-RU" dirty="0" err="1" smtClean="0">
+                <a:latin typeface="Times New Roman" pitchFamily="18" charset="0"/>
+                <a:cs typeface="Times New Roman" pitchFamily="18" charset="0"/>
+              </a:rPr>
+              <a:t>КонсультантПлюс</a:t>
+            </a:r>
             <a:r>
               <a:rPr lang="ru-RU" dirty="0" smtClean="0">
                 <a:latin typeface="Times New Roman" pitchFamily="18" charset="0"/>
                 <a:cs typeface="Times New Roman" pitchFamily="18" charset="0"/>
               </a:rPr>
-              <a:t>официальными источниками (например, портал правовой информации </a:t>
+              <a:t>» или «Гарант») — они дают доступ к актуальным версиям законов, подзаконных актов и комментариям;</a:t>
+            </a:r>
+          </a:p>
+          <a:p>
+            <a:pPr algn="just">
+              <a:buFont typeface="Arial" pitchFamily="34" charset="0"/>
+              <a:buChar char="•"/>
+            </a:pPr>
+            <a:r>
+              <a:rPr lang="ru-RU" dirty="0" smtClean="0">
+                <a:latin typeface="Times New Roman" pitchFamily="18" charset="0"/>
+                <a:cs typeface="Times New Roman" pitchFamily="18" charset="0"/>
+              </a:rPr>
+              <a:t>обычными поисковиками (</a:t>
             </a:r>
             <a:r>
               <a:rPr lang="ru-RU" dirty="0" err="1" smtClean="0">
                 <a:latin typeface="Times New Roman" pitchFamily="18" charset="0"/>
                 <a:cs typeface="Times New Roman" pitchFamily="18" charset="0"/>
               </a:rPr>
-              <a:t>pravo.gov.ru</a:t>
+              <a:t>Яндекс</a:t>
             </a:r>
             <a:r>
               <a:rPr lang="ru-RU" dirty="0" smtClean="0">
                 <a:latin typeface="Times New Roman" pitchFamily="18" charset="0"/>
                 <a:cs typeface="Times New Roman" pitchFamily="18" charset="0"/>
               </a:rPr>
-              <a:t>, сайт Госдумы, «Российская газета» — там публикуются законы в их окончательной, официальной редакции</a:t>
+              <a:t>, </a:t>
+            </a:r>
+            <a:r>
+              <a:rPr lang="ru-RU" dirty="0" err="1" smtClean="0">
+                <a:latin typeface="Times New Roman" pitchFamily="18" charset="0"/>
+                <a:cs typeface="Times New Roman" pitchFamily="18" charset="0"/>
+              </a:rPr>
+              <a:t>Google</a:t>
             </a:r>
             <a:r>
               <a:rPr lang="ru-RU" dirty="0" smtClean="0">
                 <a:latin typeface="Times New Roman" pitchFamily="18" charset="0"/>
                 <a:cs typeface="Times New Roman" pitchFamily="18" charset="0"/>
               </a:rPr>
-              <a:t>);</a:t>
-            </a:r>
-            <a:endParaRPr lang="ru-RU" dirty="0" smtClean="0">
-              <a:latin typeface="Times New Roman" pitchFamily="18" charset="0"/>
-              <a:cs typeface="Times New Roman" pitchFamily="18" charset="0"/>
-            </a:endParaRPr>
-          </a:p>
-          <a:p>
-            <a:pPr algn="just"/>
-            <a:r>
-              <a:rPr lang="ru-RU" dirty="0" smtClean="0">
-                <a:latin typeface="Times New Roman" pitchFamily="18" charset="0"/>
-                <a:cs typeface="Times New Roman" pitchFamily="18" charset="0"/>
-              </a:rPr>
-              <a:t>популярными справочными системами </a:t>
-            </a:r>
-            <a:r>
-              <a:rPr lang="ru-RU" dirty="0" smtClean="0">
-                <a:latin typeface="Times New Roman" pitchFamily="18" charset="0"/>
-                <a:cs typeface="Times New Roman" pitchFamily="18" charset="0"/>
-              </a:rPr>
-              <a:t>(не только «</a:t>
-            </a:r>
-            <a:r>
-              <a:rPr lang="ru-RU" dirty="0" err="1" smtClean="0">
-                <a:latin typeface="Times New Roman" pitchFamily="18" charset="0"/>
-                <a:cs typeface="Times New Roman" pitchFamily="18" charset="0"/>
-              </a:rPr>
-              <a:t>КонсультантПлюс</a:t>
-            </a:r>
-            <a:r>
-              <a:rPr lang="ru-RU" dirty="0" smtClean="0">
-                <a:latin typeface="Times New Roman" pitchFamily="18" charset="0"/>
-                <a:cs typeface="Times New Roman" pitchFamily="18" charset="0"/>
-              </a:rPr>
-              <a:t>» или «Гарант») — они дают доступ к актуальным версиям законов, подзаконных актов и комментариям</a:t>
-            </a:r>
-            <a:r>
-              <a:rPr lang="ru-RU" dirty="0" smtClean="0">
-                <a:latin typeface="Times New Roman" pitchFamily="18" charset="0"/>
-                <a:cs typeface="Times New Roman" pitchFamily="18" charset="0"/>
-              </a:rPr>
-              <a:t>;</a:t>
-            </a:r>
-            <a:endParaRPr lang="ru-RU" dirty="0" smtClean="0">
-              <a:latin typeface="Times New Roman" pitchFamily="18" charset="0"/>
-              <a:cs typeface="Times New Roman" pitchFamily="18" charset="0"/>
-            </a:endParaRPr>
-          </a:p>
-          <a:p>
-            <a:pPr algn="just"/>
-            <a:r>
-              <a:rPr lang="ru-RU" dirty="0" smtClean="0">
-                <a:latin typeface="Times New Roman" pitchFamily="18" charset="0"/>
-                <a:cs typeface="Times New Roman" pitchFamily="18" charset="0"/>
-              </a:rPr>
-              <a:t>обычными поисковиками (</a:t>
-            </a:r>
-            <a:r>
-              <a:rPr lang="ru-RU" dirty="0" err="1" smtClean="0">
-                <a:latin typeface="Times New Roman" pitchFamily="18" charset="0"/>
-                <a:cs typeface="Times New Roman" pitchFamily="18" charset="0"/>
-              </a:rPr>
-              <a:t>Яндекс</a:t>
-            </a:r>
-            <a:r>
-              <a:rPr lang="ru-RU" dirty="0" smtClean="0">
-                <a:latin typeface="Times New Roman" pitchFamily="18" charset="0"/>
-                <a:cs typeface="Times New Roman" pitchFamily="18" charset="0"/>
-              </a:rPr>
-              <a:t>, </a:t>
-            </a:r>
-            <a:r>
-              <a:rPr lang="ru-RU" dirty="0" err="1" smtClean="0">
-                <a:latin typeface="Times New Roman" pitchFamily="18" charset="0"/>
-                <a:cs typeface="Times New Roman" pitchFamily="18" charset="0"/>
-              </a:rPr>
-              <a:t>Google</a:t>
-            </a:r>
-            <a:r>
-              <a:rPr lang="ru-RU" dirty="0" smtClean="0">
-                <a:latin typeface="Times New Roman" pitchFamily="18" charset="0"/>
-                <a:cs typeface="Times New Roman" pitchFamily="18" charset="0"/>
-              </a:rPr>
-              <a:t>) — наберите название нужного документа или ключевые слова из его содержания, и вы быстро найдёте нужную страницу</a:t>
-            </a:r>
-            <a:r>
-              <a:rPr lang="ru-RU" dirty="0" smtClean="0">
-                <a:latin typeface="Times New Roman" pitchFamily="18" charset="0"/>
-                <a:cs typeface="Times New Roman" pitchFamily="18" charset="0"/>
-              </a:rPr>
-              <a:t>.</a:t>
+              <a:t>) — наберите название нужного документа или ключевые слова из его содержания, и вы быстро найдёте нужную страницу.</a:t>
             </a:r>
           </a:p>
           <a:p>
@@ -6868,7 +6925,7 @@
 </p:sld>
 </file>
 
-<file path=ppt/slides/slide16.xml><?xml version="1.0" encoding="utf-8"?>
+<file path=ppt/slides/slide17.xml><?xml version="1.0" encoding="utf-8"?>
 <p:sld xmlns:a="http://schemas.openxmlformats.org/drawingml/2006/main" xmlns:r="http://schemas.openxmlformats.org/officeDocument/2006/relationships" xmlns:p="http://schemas.openxmlformats.org/presentationml/2006/main">
   <p:cSld>
     <p:spTree>
@@ -8322,6 +8379,189 @@
             <p:ph type="title"/>
           </p:nvPr>
         </p:nvSpPr>
+        <p:spPr/>
+        <p:txBody>
+          <a:bodyPr/>
+          <a:lstStyle/>
+          <a:p>
+            <a:r>
+              <a:rPr lang="ru-RU" dirty="0" smtClean="0"/>
+              <a:t>Дополнительные материалы</a:t>
+            </a:r>
+            <a:endParaRPr lang="ru-RU" dirty="0"/>
+          </a:p>
+        </p:txBody>
+      </p:sp>
+      <p:sp>
+        <p:nvSpPr>
+          <p:cNvPr id="3" name="Прямоугольник 2"/>
+          <p:cNvSpPr/>
+          <p:nvPr/>
+        </p:nvSpPr>
+        <p:spPr>
+          <a:xfrm>
+            <a:off x="0" y="1357298"/>
+            <a:ext cx="9144000" cy="4832092"/>
+          </a:xfrm>
+          <a:prstGeom prst="rect">
+            <a:avLst/>
+          </a:prstGeom>
+        </p:spPr>
+        <p:txBody>
+          <a:bodyPr wrap="square">
+            <a:spAutoFit/>
+          </a:bodyPr>
+          <a:lstStyle/>
+          <a:p>
+            <a:pPr algn="just"/>
+            <a:r>
+              <a:rPr lang="ru-RU" sz="2800" dirty="0" smtClean="0">
+                <a:latin typeface="Times New Roman" pitchFamily="18" charset="0"/>
+                <a:cs typeface="Times New Roman" pitchFamily="18" charset="0"/>
+                <a:hlinkClick r:id="rId2"/>
+              </a:rPr>
+              <a:t>https://pravorub.ru/ </a:t>
+            </a:r>
+            <a:r>
+              <a:rPr lang="ru-RU" sz="2800" dirty="0" smtClean="0">
+                <a:latin typeface="Times New Roman" pitchFamily="18" charset="0"/>
+                <a:cs typeface="Times New Roman" pitchFamily="18" charset="0"/>
+              </a:rPr>
+              <a:t>— сайт профессионального сообщества адвокатов и юристов. Обзоры, статьи на судебную практику и аналитику</a:t>
+            </a:r>
+            <a:r>
+              <a:rPr lang="ru-RU" sz="2800" dirty="0" smtClean="0">
+                <a:latin typeface="Times New Roman" pitchFamily="18" charset="0"/>
+                <a:cs typeface="Times New Roman" pitchFamily="18" charset="0"/>
+              </a:rPr>
+              <a:t>.</a:t>
+            </a:r>
+          </a:p>
+          <a:p>
+            <a:pPr algn="just"/>
+            <a:endParaRPr lang="ru-RU" sz="2800" dirty="0" smtClean="0">
+              <a:latin typeface="Times New Roman" pitchFamily="18" charset="0"/>
+              <a:cs typeface="Times New Roman" pitchFamily="18" charset="0"/>
+            </a:endParaRPr>
+          </a:p>
+          <a:p>
+            <a:pPr algn="just"/>
+            <a:r>
+              <a:rPr lang="en-US" sz="2800" dirty="0" smtClean="0">
+                <a:latin typeface="Times New Roman" pitchFamily="18" charset="0"/>
+                <a:cs typeface="Times New Roman" pitchFamily="18" charset="0"/>
+                <a:hlinkClick r:id="rId3"/>
+              </a:rPr>
+              <a:t>https://lib-str.ru/putevoditel-po-saytam/pravovye-resursy-interneta/?</a:t>
+            </a:r>
+            <a:r>
+              <a:rPr lang="en-US" sz="2800" dirty="0" smtClean="0">
+                <a:latin typeface="Times New Roman" pitchFamily="18" charset="0"/>
+                <a:cs typeface="Times New Roman" pitchFamily="18" charset="0"/>
+                <a:hlinkClick r:id="rId3"/>
+              </a:rPr>
+              <a:t>ysclid=mku454f29n994239090</a:t>
+            </a:r>
+            <a:r>
+              <a:rPr lang="ru-RU" sz="2800" dirty="0" smtClean="0">
+                <a:latin typeface="Times New Roman" pitchFamily="18" charset="0"/>
+                <a:cs typeface="Times New Roman" pitchFamily="18" charset="0"/>
+              </a:rPr>
+              <a:t> – правовые ресурсы Интернета</a:t>
+            </a:r>
+            <a:endParaRPr lang="en-US" sz="2800" dirty="0" smtClean="0">
+              <a:latin typeface="Times New Roman" pitchFamily="18" charset="0"/>
+              <a:cs typeface="Times New Roman" pitchFamily="18" charset="0"/>
+            </a:endParaRPr>
+          </a:p>
+          <a:p>
+            <a:pPr algn="just"/>
+            <a:endParaRPr lang="en-US" sz="2800" dirty="0" smtClean="0">
+              <a:latin typeface="Times New Roman" pitchFamily="18" charset="0"/>
+              <a:cs typeface="Times New Roman" pitchFamily="18" charset="0"/>
+            </a:endParaRPr>
+          </a:p>
+          <a:p>
+            <a:pPr algn="just"/>
+            <a:r>
+              <a:rPr lang="en-US" sz="2800" dirty="0" smtClean="0">
+                <a:latin typeface="Times New Roman" pitchFamily="18" charset="0"/>
+                <a:cs typeface="Times New Roman" pitchFamily="18" charset="0"/>
+                <a:hlinkClick r:id="rId4"/>
+              </a:rPr>
+              <a:t>https://</a:t>
+            </a:r>
+            <a:r>
+              <a:rPr lang="en-US" sz="2800" dirty="0" smtClean="0">
+                <a:latin typeface="Times New Roman" pitchFamily="18" charset="0"/>
+                <a:cs typeface="Times New Roman" pitchFamily="18" charset="0"/>
+                <a:hlinkClick r:id="rId4"/>
+              </a:rPr>
+              <a:t>disk.360.yandex.ru/d/etuXt3Y3i1Gu0g</a:t>
+            </a:r>
+            <a:r>
+              <a:rPr lang="en-US" sz="2800" dirty="0" smtClean="0">
+                <a:latin typeface="Times New Roman" pitchFamily="18" charset="0"/>
+                <a:cs typeface="Times New Roman" pitchFamily="18" charset="0"/>
+              </a:rPr>
+              <a:t> - </a:t>
+            </a:r>
+            <a:r>
+              <a:rPr lang="ru-RU" sz="2800" dirty="0" smtClean="0">
+                <a:latin typeface="Times New Roman" pitchFamily="18" charset="0"/>
+                <a:cs typeface="Times New Roman" pitchFamily="18" charset="0"/>
+              </a:rPr>
+              <a:t>Общее понятие об информационных технологиях в юридической </a:t>
+            </a:r>
+            <a:r>
+              <a:rPr lang="ru-RU" sz="2800" dirty="0" smtClean="0">
+                <a:latin typeface="Times New Roman" pitchFamily="18" charset="0"/>
+                <a:cs typeface="Times New Roman" pitchFamily="18" charset="0"/>
+              </a:rPr>
+              <a:t>деятельности</a:t>
+            </a:r>
+            <a:endParaRPr lang="ru-RU" sz="2800" dirty="0" smtClean="0">
+              <a:latin typeface="Times New Roman" pitchFamily="18" charset="0"/>
+              <a:cs typeface="Times New Roman" pitchFamily="18" charset="0"/>
+            </a:endParaRPr>
+          </a:p>
+        </p:txBody>
+      </p:sp>
+    </p:spTree>
+  </p:cSld>
+  <p:clrMapOvr>
+    <a:masterClrMapping/>
+  </p:clrMapOvr>
+</p:sld>
+</file>
+
+<file path=ppt/slides/slide3.xml><?xml version="1.0" encoding="utf-8"?>
+<p:sld xmlns:a="http://schemas.openxmlformats.org/drawingml/2006/main" xmlns:r="http://schemas.openxmlformats.org/officeDocument/2006/relationships" xmlns:p="http://schemas.openxmlformats.org/presentationml/2006/main">
+  <p:cSld>
+    <p:spTree>
+      <p:nvGrpSpPr>
+        <p:cNvPr id="1" name=""/>
+        <p:cNvGrpSpPr/>
+        <p:nvPr/>
+      </p:nvGrpSpPr>
+      <p:grpSpPr>
+        <a:xfrm>
+          <a:off x="0" y="0"/>
+          <a:ext cx="0" cy="0"/>
+          <a:chOff x="0" y="0"/>
+          <a:chExt cx="0" cy="0"/>
+        </a:xfrm>
+      </p:grpSpPr>
+      <p:sp>
+        <p:nvSpPr>
+          <p:cNvPr id="2" name="Заголовок 1"/>
+          <p:cNvSpPr>
+            <a:spLocks noGrp="1"/>
+          </p:cNvSpPr>
+          <p:nvPr>
+            <p:ph type="title"/>
+          </p:nvPr>
+        </p:nvSpPr>
         <p:spPr>
           <a:xfrm>
             <a:off x="428596" y="-71462"/>
@@ -8382,54 +8622,32 @@
                 <a:latin typeface="Times New Roman" pitchFamily="18" charset="0"/>
                 <a:cs typeface="Times New Roman" pitchFamily="18" charset="0"/>
               </a:rPr>
-              <a:t>— это использование компьютерных технологий и цифровых инструментов для решения профессиональных задач юристов</a:t>
-            </a:r>
+              <a:t>— это использование компьютерных технологий и цифровых инструментов для решения профессиональных задач юристов.</a:t>
+            </a:r>
+          </a:p>
+          <a:p>
+            <a:pPr algn="just"/>
             <a:r>
               <a:rPr lang="ru-RU" dirty="0" smtClean="0">
                 <a:latin typeface="Times New Roman" pitchFamily="18" charset="0"/>
                 <a:cs typeface="Times New Roman" pitchFamily="18" charset="0"/>
               </a:rPr>
-              <a:t>.</a:t>
-            </a:r>
-            <a:endParaRPr lang="ru-RU" dirty="0" smtClean="0">
-              <a:latin typeface="Times New Roman" pitchFamily="18" charset="0"/>
-              <a:cs typeface="Times New Roman" pitchFamily="18" charset="0"/>
-            </a:endParaRPr>
-          </a:p>
-          <a:p>
-            <a:pPr algn="just"/>
+              <a:t>Проще говоря, это когда вместо вороха бумаг и долгих поисков в архивах юрист работает с электронными базами данных, специальными программами и </a:t>
+            </a:r>
+            <a:r>
+              <a:rPr lang="ru-RU" dirty="0" err="1" smtClean="0">
+                <a:latin typeface="Times New Roman" pitchFamily="18" charset="0"/>
+                <a:cs typeface="Times New Roman" pitchFamily="18" charset="0"/>
+              </a:rPr>
+              <a:t>онлайн‑сервисами</a:t>
+            </a:r>
             <a:r>
               <a:rPr lang="ru-RU" dirty="0" smtClean="0">
                 <a:latin typeface="Times New Roman" pitchFamily="18" charset="0"/>
                 <a:cs typeface="Times New Roman" pitchFamily="18" charset="0"/>
               </a:rPr>
-              <a:t>Проще говоря, это когда вместо вороха бумаг и долгих поисков в архивах юрист работает с электронными базами данных, специальными программами и </a:t>
-            </a:r>
-            <a:r>
-              <a:rPr lang="ru-RU" dirty="0" err="1" smtClean="0">
-                <a:latin typeface="Times New Roman" pitchFamily="18" charset="0"/>
-                <a:cs typeface="Times New Roman" pitchFamily="18" charset="0"/>
-              </a:rPr>
-              <a:t>онлайн‑сервисами</a:t>
-            </a:r>
-            <a:r>
-              <a:rPr lang="ru-RU" dirty="0" smtClean="0">
-                <a:latin typeface="Times New Roman" pitchFamily="18" charset="0"/>
-                <a:cs typeface="Times New Roman" pitchFamily="18" charset="0"/>
-              </a:rPr>
-              <a:t>, которые помогают</a:t>
-            </a:r>
-            <a:r>
-              <a:rPr lang="ru-RU" dirty="0" smtClean="0">
-                <a:latin typeface="Times New Roman" pitchFamily="18" charset="0"/>
-                <a:cs typeface="Times New Roman" pitchFamily="18" charset="0"/>
-              </a:rPr>
-              <a:t>:</a:t>
-            </a:r>
-            <a:endParaRPr lang="ru-RU" dirty="0" smtClean="0">
-              <a:latin typeface="Times New Roman" pitchFamily="18" charset="0"/>
-              <a:cs typeface="Times New Roman" pitchFamily="18" charset="0"/>
-            </a:endParaRPr>
+              <a:t>, которые помогают:</a:t>
+            </a:r>
           </a:p>
           <a:p>
             <a:pPr algn="just">
@@ -8441,19 +8659,8 @@
                 <a:latin typeface="Times New Roman" pitchFamily="18" charset="0"/>
                 <a:cs typeface="Times New Roman" pitchFamily="18" charset="0"/>
               </a:rPr>
-              <a:t>быстро находить нужную информацию (законы, судебные решения, комментарии экспертов</a:t>
-            </a:r>
-            <a:r>
-              <a:rPr lang="ru-RU" dirty="0" smtClean="0">
-                <a:latin typeface="Times New Roman" pitchFamily="18" charset="0"/>
-                <a:cs typeface="Times New Roman" pitchFamily="18" charset="0"/>
-              </a:rPr>
-              <a:t>);</a:t>
-            </a:r>
-            <a:endParaRPr lang="ru-RU" dirty="0" smtClean="0">
-              <a:latin typeface="Times New Roman" pitchFamily="18" charset="0"/>
-              <a:cs typeface="Times New Roman" pitchFamily="18" charset="0"/>
-            </a:endParaRPr>
+              <a:t>быстро находить нужную информацию (законы, судебные решения, комментарии экспертов);</a:t>
+            </a:r>
           </a:p>
           <a:p>
             <a:pPr algn="just">
@@ -8465,19 +8672,8 @@
                 <a:latin typeface="Times New Roman" pitchFamily="18" charset="0"/>
                 <a:cs typeface="Times New Roman" pitchFamily="18" charset="0"/>
               </a:rPr>
-              <a:t>готовить документы (договоры, иски, претензии) с помощью шаблонов и автоматических проверок</a:t>
-            </a:r>
-            <a:r>
-              <a:rPr lang="ru-RU" dirty="0" smtClean="0">
-                <a:latin typeface="Times New Roman" pitchFamily="18" charset="0"/>
-                <a:cs typeface="Times New Roman" pitchFamily="18" charset="0"/>
-              </a:rPr>
-              <a:t>;</a:t>
-            </a:r>
-            <a:endParaRPr lang="ru-RU" dirty="0" smtClean="0">
-              <a:latin typeface="Times New Roman" pitchFamily="18" charset="0"/>
-              <a:cs typeface="Times New Roman" pitchFamily="18" charset="0"/>
-            </a:endParaRPr>
+              <a:t>готовить документы (договоры, иски, претензии) с помощью шаблонов и автоматических проверок;</a:t>
+            </a:r>
           </a:p>
           <a:p>
             <a:pPr algn="just">
@@ -8489,19 +8685,8 @@
                 <a:latin typeface="Times New Roman" pitchFamily="18" charset="0"/>
                 <a:cs typeface="Times New Roman" pitchFamily="18" charset="0"/>
               </a:rPr>
-              <a:t>вести делопроизводство в электронном виде (хранить файлы, отслеживать сроки, формировать отчёты</a:t>
-            </a:r>
-            <a:r>
-              <a:rPr lang="ru-RU" dirty="0" smtClean="0">
-                <a:latin typeface="Times New Roman" pitchFamily="18" charset="0"/>
-                <a:cs typeface="Times New Roman" pitchFamily="18" charset="0"/>
-              </a:rPr>
-              <a:t>);</a:t>
-            </a:r>
-            <a:endParaRPr lang="ru-RU" dirty="0" smtClean="0">
-              <a:latin typeface="Times New Roman" pitchFamily="18" charset="0"/>
-              <a:cs typeface="Times New Roman" pitchFamily="18" charset="0"/>
-            </a:endParaRPr>
+              <a:t>вести делопроизводство в электронном виде (хранить файлы, отслеживать сроки, формировать отчёты);</a:t>
+            </a:r>
           </a:p>
           <a:p>
             <a:pPr algn="just">
@@ -8624,57 +8809,32 @@
                 <a:latin typeface="Times New Roman" pitchFamily="18" charset="0"/>
                 <a:cs typeface="Times New Roman" pitchFamily="18" charset="0"/>
               </a:rPr>
-              <a:t> </a:t>
+              <a:t> - в который входят программное обеспечение для работы с различными типами документов: текстами, электронными таблицами, базами данных</a:t>
+            </a:r>
+          </a:p>
+          <a:p>
+            <a:pPr algn="just"/>
+            <a:r>
+              <a:rPr lang="ru-RU" b="1" dirty="0" err="1" smtClean="0">
+                <a:latin typeface="Times New Roman" pitchFamily="18" charset="0"/>
+                <a:cs typeface="Times New Roman" pitchFamily="18" charset="0"/>
+              </a:rPr>
+              <a:t>Онлайн-платформы</a:t>
+            </a:r>
+            <a:r>
+              <a:rPr lang="ru-RU" b="1" dirty="0" smtClean="0">
+                <a:latin typeface="Times New Roman" pitchFamily="18" charset="0"/>
+                <a:cs typeface="Times New Roman" pitchFamily="18" charset="0"/>
+              </a:rPr>
+              <a:t>, конструкторы, сеть Интернет и искусственный интеллект </a:t>
             </a:r>
             <a:r>
               <a:rPr lang="ru-RU" dirty="0" smtClean="0">
                 <a:latin typeface="Times New Roman" pitchFamily="18" charset="0"/>
                 <a:cs typeface="Times New Roman" pitchFamily="18" charset="0"/>
               </a:rPr>
-              <a:t>- в который входят программное </a:t>
-            </a:r>
-            <a:r>
-              <a:rPr lang="ru-RU" dirty="0" smtClean="0">
-                <a:latin typeface="Times New Roman" pitchFamily="18" charset="0"/>
-                <a:cs typeface="Times New Roman" pitchFamily="18" charset="0"/>
-              </a:rPr>
-              <a:t>обеспечение для работы с различными типами документов: текстами, электронными таблицами, базами </a:t>
-            </a:r>
-            <a:r>
-              <a:rPr lang="ru-RU" dirty="0" smtClean="0">
-                <a:latin typeface="Times New Roman" pitchFamily="18" charset="0"/>
-                <a:cs typeface="Times New Roman" pitchFamily="18" charset="0"/>
-              </a:rPr>
-              <a:t>данных</a:t>
-            </a:r>
-          </a:p>
-          <a:p>
-            <a:pPr algn="just"/>
-            <a:r>
-              <a:rPr lang="ru-RU" b="1" dirty="0" err="1" smtClean="0">
-                <a:latin typeface="Times New Roman" pitchFamily="18" charset="0"/>
-                <a:cs typeface="Times New Roman" pitchFamily="18" charset="0"/>
-              </a:rPr>
-              <a:t>Онлайн-плтформы</a:t>
-            </a:r>
-            <a:r>
-              <a:rPr lang="ru-RU" b="1" dirty="0" smtClean="0">
-                <a:latin typeface="Times New Roman" pitchFamily="18" charset="0"/>
-                <a:cs typeface="Times New Roman" pitchFamily="18" charset="0"/>
-              </a:rPr>
-              <a:t>, конструкторы, сеть Интернет и искусственный интеллект </a:t>
-            </a:r>
-            <a:r>
-              <a:rPr lang="ru-RU" dirty="0" smtClean="0">
-                <a:latin typeface="Times New Roman" pitchFamily="18" charset="0"/>
-                <a:cs typeface="Times New Roman" pitchFamily="18" charset="0"/>
-              </a:rPr>
               <a:t>для поиска и создания визуальной и текстовой информации</a:t>
             </a:r>
-            <a:endParaRPr lang="ru-RU" dirty="0" smtClean="0">
-              <a:latin typeface="Times New Roman" pitchFamily="18" charset="0"/>
-              <a:cs typeface="Times New Roman" pitchFamily="18" charset="0"/>
-            </a:endParaRPr>
           </a:p>
         </p:txBody>
       </p:sp>
@@ -8686,7 +8846,7 @@
 </p:sld>
 </file>
 
-<file path=ppt/slides/slide3.xml><?xml version="1.0" encoding="utf-8"?>
+<file path=ppt/slides/slide4.xml><?xml version="1.0" encoding="utf-8"?>
 <p:sld xmlns:a="http://schemas.openxmlformats.org/drawingml/2006/main" xmlns:r="http://schemas.openxmlformats.org/officeDocument/2006/relationships" xmlns:p="http://schemas.openxmlformats.org/presentationml/2006/main">
   <p:cSld>
     <p:spTree>
@@ -8777,7 +8937,7 @@
 </p:sld>
 </file>
 
-<file path=ppt/slides/slide4.xml><?xml version="1.0" encoding="utf-8"?>
+<file path=ppt/slides/slide5.xml><?xml version="1.0" encoding="utf-8"?>
 <p:sld xmlns:a="http://schemas.openxmlformats.org/drawingml/2006/main" xmlns:r="http://schemas.openxmlformats.org/officeDocument/2006/relationships" xmlns:p="http://schemas.openxmlformats.org/presentationml/2006/main">
   <p:cSld>
     <p:spTree>
@@ -8846,7 +9006,7 @@
 </p:sld>
 </file>
 
-<file path=ppt/slides/slide5.xml><?xml version="1.0" encoding="utf-8"?>
+<file path=ppt/slides/slide6.xml><?xml version="1.0" encoding="utf-8"?>
 <p:sld xmlns:a="http://schemas.openxmlformats.org/drawingml/2006/main" xmlns:r="http://schemas.openxmlformats.org/officeDocument/2006/relationships" xmlns:p="http://schemas.openxmlformats.org/presentationml/2006/main">
   <p:cSld>
     <p:spTree>
@@ -8996,208 +9156,6 @@
   <p:clrMapOvr>
     <a:masterClrMapping/>
   </p:clrMapOvr>
-</p:sld>
-</file>
-
-<file path=ppt/slides/slide6.xml><?xml version="1.0" encoding="utf-8"?>
-<p:sld xmlns:a="http://schemas.openxmlformats.org/drawingml/2006/main" xmlns:r="http://schemas.openxmlformats.org/officeDocument/2006/relationships" xmlns:p="http://schemas.openxmlformats.org/presentationml/2006/main">
-  <p:cSld>
-    <p:spTree>
-      <p:nvGrpSpPr>
-        <p:cNvPr id="1" name=""/>
-        <p:cNvGrpSpPr/>
-        <p:nvPr/>
-      </p:nvGrpSpPr>
-      <p:grpSpPr>
-        <a:xfrm>
-          <a:off x="0" y="0"/>
-          <a:ext cx="0" cy="0"/>
-          <a:chOff x="0" y="0"/>
-          <a:chExt cx="0" cy="0"/>
-        </a:xfrm>
-      </p:grpSpPr>
-      <p:sp>
-        <p:nvSpPr>
-          <p:cNvPr id="2" name="Заголовок 1"/>
-          <p:cNvSpPr>
-            <a:spLocks noGrp="1"/>
-          </p:cNvSpPr>
-          <p:nvPr>
-            <p:ph type="title"/>
-          </p:nvPr>
-        </p:nvSpPr>
-        <p:spPr>
-          <a:xfrm>
-            <a:off x="428596" y="0"/>
-            <a:ext cx="8229600" cy="1143000"/>
-          </a:xfrm>
-        </p:spPr>
-        <p:txBody>
-          <a:bodyPr/>
-          <a:lstStyle/>
-          <a:p>
-            <a:r>
-              <a:rPr lang="ru-RU" dirty="0" smtClean="0"/>
-              <a:t>Логика поисковых запросов</a:t>
-            </a:r>
-            <a:endParaRPr lang="ru-RU" dirty="0"/>
-          </a:p>
-        </p:txBody>
-      </p:sp>
-      <p:sp>
-        <p:nvSpPr>
-          <p:cNvPr id="13" name="Прямоугольник 12"/>
-          <p:cNvSpPr/>
-          <p:nvPr/>
-        </p:nvSpPr>
-        <p:spPr>
-          <a:xfrm>
-            <a:off x="0" y="917912"/>
-            <a:ext cx="9144000" cy="4708981"/>
-          </a:xfrm>
-          <a:prstGeom prst="rect">
-            <a:avLst/>
-          </a:prstGeom>
-        </p:spPr>
-        <p:txBody>
-          <a:bodyPr wrap="square">
-            <a:spAutoFit/>
-          </a:bodyPr>
-          <a:lstStyle/>
-          <a:p>
-            <a:pPr marL="342900" indent="-342900" algn="just">
-              <a:buAutoNum type="arabicPeriod"/>
-            </a:pPr>
-            <a:r>
-              <a:rPr lang="ru-RU" sz="2000" dirty="0" smtClean="0">
-                <a:latin typeface="Times New Roman" pitchFamily="18" charset="0"/>
-                <a:cs typeface="Times New Roman" pitchFamily="18" charset="0"/>
-              </a:rPr>
-              <a:t>Несколько ключевых слов, разделенных пробелом, соответствуют операции логического сложения: ИЛИ (OR). </a:t>
-            </a:r>
-          </a:p>
-          <a:p>
-            <a:pPr marL="342900" indent="-342900" algn="just">
-              <a:buAutoNum type="arabicPeriod"/>
-            </a:pPr>
-            <a:r>
-              <a:rPr lang="ru-RU" sz="2000" dirty="0" smtClean="0">
-                <a:latin typeface="Times New Roman" pitchFamily="18" charset="0"/>
-                <a:cs typeface="Times New Roman" pitchFamily="18" charset="0"/>
-              </a:rPr>
-              <a:t>Несколько слов, заключенных в кавычки, воспринимаются как единое целое. Например, </a:t>
-            </a:r>
-            <a:r>
-              <a:rPr lang="en-US" sz="2000" dirty="0" smtClean="0">
-                <a:latin typeface="+mj-lt"/>
-                <a:cs typeface="Times New Roman" pitchFamily="18" charset="0"/>
-              </a:rPr>
-              <a:t>"</a:t>
-            </a:r>
-            <a:r>
-              <a:rPr lang="ru-RU" sz="2000" dirty="0" smtClean="0">
-                <a:latin typeface="Times New Roman" pitchFamily="18" charset="0"/>
-                <a:cs typeface="Times New Roman" pitchFamily="18" charset="0"/>
-              </a:rPr>
-              <a:t>Индустрия туризма</a:t>
-            </a:r>
-            <a:r>
-              <a:rPr lang="en-US" sz="2000" dirty="0" smtClean="0">
-                <a:latin typeface="+mj-lt"/>
-                <a:cs typeface="Times New Roman" pitchFamily="18" charset="0"/>
-              </a:rPr>
-              <a:t>"</a:t>
-            </a:r>
-            <a:r>
-              <a:rPr lang="ru-RU" sz="2000" dirty="0" smtClean="0">
-                <a:latin typeface="Times New Roman" pitchFamily="18" charset="0"/>
-                <a:cs typeface="Times New Roman" pitchFamily="18" charset="0"/>
-              </a:rPr>
-              <a:t>. </a:t>
-            </a:r>
-          </a:p>
-          <a:p>
-            <a:pPr marL="342900" indent="-342900" algn="just">
-              <a:buAutoNum type="arabicPeriod"/>
-            </a:pPr>
-            <a:r>
-              <a:rPr lang="ru-RU" sz="2000" dirty="0" smtClean="0">
-                <a:latin typeface="Times New Roman" pitchFamily="18" charset="0"/>
-                <a:cs typeface="Times New Roman" pitchFamily="18" charset="0"/>
-              </a:rPr>
-              <a:t>Знак + между словами равносилен операции логического умножения: И (AND). Указав в запросе ключ Индустрия + туризма, получим все документы, в которых имеются эти два слова одновременно, но они могут быть расположены в любом порядке и вразброс. </a:t>
-            </a:r>
-          </a:p>
-          <a:p>
-            <a:pPr marL="342900" indent="-342900" algn="just">
-              <a:buAutoNum type="arabicPeriod"/>
-            </a:pPr>
-            <a:r>
-              <a:rPr lang="ru-RU" sz="2000" dirty="0" smtClean="0">
-                <a:latin typeface="Times New Roman" pitchFamily="18" charset="0"/>
-                <a:cs typeface="Times New Roman" pitchFamily="18" charset="0"/>
-              </a:rPr>
-              <a:t>Знак </a:t>
-            </a:r>
-            <a:r>
-              <a:rPr lang="en-US" sz="2000" dirty="0" smtClean="0">
-                <a:latin typeface="Times New Roman" pitchFamily="18" charset="0"/>
-                <a:cs typeface="Times New Roman" pitchFamily="18" charset="0"/>
-              </a:rPr>
-              <a:t>"</a:t>
-            </a:r>
-            <a:r>
-              <a:rPr lang="ru-RU" sz="2000" dirty="0" smtClean="0">
-                <a:latin typeface="Times New Roman" pitchFamily="18" charset="0"/>
-                <a:cs typeface="Times New Roman" pitchFamily="18" charset="0"/>
-              </a:rPr>
-              <a:t>–</a:t>
-            </a:r>
-            <a:r>
-              <a:rPr lang="en-US" sz="2000" dirty="0" smtClean="0">
-                <a:latin typeface="Times New Roman" pitchFamily="18" charset="0"/>
-                <a:cs typeface="Times New Roman" pitchFamily="18" charset="0"/>
-              </a:rPr>
-              <a:t>"</a:t>
-            </a:r>
-            <a:r>
-              <a:rPr lang="ru-RU" sz="2000" dirty="0" smtClean="0">
-                <a:latin typeface="Times New Roman" pitchFamily="18" charset="0"/>
-                <a:cs typeface="Times New Roman" pitchFamily="18" charset="0"/>
-              </a:rPr>
-              <a:t> перед словом равносилен исключению из поиска документов, в которых содержится выделенное минусом слово. </a:t>
-            </a:r>
-          </a:p>
-          <a:p>
-            <a:pPr marL="342900" indent="-342900" algn="just">
-              <a:buAutoNum type="arabicPeriod"/>
-            </a:pPr>
-            <a:r>
-              <a:rPr lang="ru-RU" sz="2000" dirty="0" smtClean="0">
-                <a:latin typeface="Times New Roman" pitchFamily="18" charset="0"/>
-                <a:cs typeface="Times New Roman" pitchFamily="18" charset="0"/>
-              </a:rPr>
-              <a:t>Знак *, или подстановочный знак. Если в запросе указать звездочку (*), то она будет означать любое неизвестное поисковое слово, что позволяет найти самые лучшие соответствия. Например, по запросу Дума проголосовала * по * законопроекту будет ссылка на сайты с результатами о разных голосованиях по различным законопроектам.</a:t>
-            </a:r>
-            <a:endParaRPr lang="ru-RU" sz="2000" dirty="0">
-              <a:latin typeface="Times New Roman" pitchFamily="18" charset="0"/>
-              <a:cs typeface="Times New Roman" pitchFamily="18" charset="0"/>
-            </a:endParaRPr>
-          </a:p>
-        </p:txBody>
-      </p:sp>
-    </p:spTree>
-  </p:cSld>
-  <p:clrMapOvr>
-    <a:masterClrMapping/>
-  </p:clrMapOvr>
-  <p:timing>
-    <p:tnLst>
-      <p:par>
-        <p:cTn id="1" dur="indefinite" restart="never" nodeType="tmRoot"/>
-      </p:par>
-    </p:tnLst>
-  </p:timing>
 </p:sld>
 </file>
 
@@ -9235,15 +9193,12 @@
           </a:xfrm>
         </p:spPr>
         <p:txBody>
-          <a:bodyPr>
-            <a:normAutofit fontScale="90000"/>
-          </a:bodyPr>
+          <a:bodyPr/>
           <a:lstStyle/>
           <a:p>
-            <a:pPr fontAlgn="ctr"/>
             <a:r>
               <a:rPr lang="ru-RU" dirty="0" smtClean="0"/>
-              <a:t>Как эффективно искать информацию в интернете?</a:t>
+              <a:t>Логика поисковых запросов</a:t>
             </a:r>
             <a:endParaRPr lang="ru-RU" dirty="0"/>
           </a:p>
@@ -9257,8 +9212,8 @@
         </p:nvSpPr>
         <p:spPr>
           <a:xfrm>
-            <a:off x="0" y="1214422"/>
-            <a:ext cx="9144000" cy="7509748"/>
+            <a:off x="0" y="917912"/>
+            <a:ext cx="9144000" cy="4708981"/>
           </a:xfrm>
           <a:prstGeom prst="rect">
             <a:avLst/>
@@ -9270,153 +9225,124 @@
           </a:bodyPr>
           <a:lstStyle/>
           <a:p>
-            <a:pPr algn="just"/>
-            <a:r>
-              <a:rPr lang="ru-RU" b="1" dirty="0" smtClean="0">
-                <a:latin typeface="Times New Roman" pitchFamily="18" charset="0"/>
-                <a:cs typeface="Times New Roman" pitchFamily="18" charset="0"/>
-              </a:rPr>
-              <a:t>Используйте как минимум две поисковые системы - </a:t>
-            </a:r>
-            <a:r>
-              <a:rPr lang="ru-RU" dirty="0" smtClean="0">
-                <a:latin typeface="Times New Roman" pitchFamily="18" charset="0"/>
-                <a:cs typeface="Times New Roman" pitchFamily="18" charset="0"/>
-              </a:rPr>
-              <a:t>У разных поисковиков несколько разные способы индексации страниц. Поэтому, как правило, даже самые простые поисковые запросы в разных системах приносят разные результаты. Во-первых, то, что не заметила одна поисковая система, может заметить другая – и наоборот.</a:t>
-            </a:r>
-            <a:endParaRPr lang="en-US" dirty="0" smtClean="0">
+            <a:pPr marL="342900" indent="-342900" algn="just">
+              <a:buAutoNum type="arabicPeriod"/>
+            </a:pPr>
+            <a:r>
+              <a:rPr lang="ru-RU" sz="2000" dirty="0" smtClean="0">
+                <a:latin typeface="Times New Roman" pitchFamily="18" charset="0"/>
+                <a:cs typeface="Times New Roman" pitchFamily="18" charset="0"/>
+              </a:rPr>
+              <a:t>Несколько ключевых слов, разделенных пробелом, соответствуют операции логического сложения: ИЛИ (OR). </a:t>
+            </a:r>
+          </a:p>
+          <a:p>
+            <a:pPr marL="342900" indent="-342900" algn="just">
+              <a:buAutoNum type="arabicPeriod"/>
+            </a:pPr>
+            <a:r>
+              <a:rPr lang="ru-RU" sz="2000" dirty="0" smtClean="0">
+                <a:latin typeface="Times New Roman" pitchFamily="18" charset="0"/>
+                <a:cs typeface="Times New Roman" pitchFamily="18" charset="0"/>
+              </a:rPr>
+              <a:t>Несколько слов, заключенных в кавычки, воспринимаются как единое целое. Например, </a:t>
+            </a:r>
+            <a:r>
+              <a:rPr lang="en-US" sz="2000" dirty="0" smtClean="0">
+                <a:latin typeface="+mj-lt"/>
+                <a:cs typeface="Times New Roman" pitchFamily="18" charset="0"/>
+              </a:rPr>
+              <a:t>"</a:t>
+            </a:r>
+            <a:r>
+              <a:rPr lang="ru-RU" sz="2000" dirty="0" smtClean="0">
+                <a:latin typeface="Times New Roman" pitchFamily="18" charset="0"/>
+                <a:cs typeface="Times New Roman" pitchFamily="18" charset="0"/>
+              </a:rPr>
+              <a:t>Индустрия туризма</a:t>
+            </a:r>
+            <a:r>
+              <a:rPr lang="en-US" sz="2000" dirty="0" smtClean="0">
+                <a:latin typeface="+mj-lt"/>
+                <a:cs typeface="Times New Roman" pitchFamily="18" charset="0"/>
+              </a:rPr>
+              <a:t>"</a:t>
+            </a:r>
+            <a:r>
+              <a:rPr lang="ru-RU" sz="2000" dirty="0" smtClean="0">
+                <a:latin typeface="Times New Roman" pitchFamily="18" charset="0"/>
+                <a:cs typeface="Times New Roman" pitchFamily="18" charset="0"/>
+              </a:rPr>
+              <a:t>. </a:t>
+            </a:r>
+          </a:p>
+          <a:p>
+            <a:pPr marL="342900" indent="-342900" algn="just">
+              <a:buAutoNum type="arabicPeriod"/>
+            </a:pPr>
+            <a:r>
+              <a:rPr lang="ru-RU" sz="2000" dirty="0" smtClean="0">
+                <a:latin typeface="Times New Roman" pitchFamily="18" charset="0"/>
+                <a:cs typeface="Times New Roman" pitchFamily="18" charset="0"/>
+              </a:rPr>
+              <a:t>Знак + между словами равносилен операции логического умножения: И (AND). Указав в запросе ключ Индустрия + туризма, получим все документы, в которых имеются эти два слова одновременно, но они могут быть расположены в любом порядке и вразброс. </a:t>
+            </a:r>
+          </a:p>
+          <a:p>
+            <a:pPr marL="342900" indent="-342900" algn="just">
+              <a:buAutoNum type="arabicPeriod"/>
+            </a:pPr>
+            <a:r>
+              <a:rPr lang="ru-RU" sz="2000" dirty="0" smtClean="0">
+                <a:latin typeface="Times New Roman" pitchFamily="18" charset="0"/>
+                <a:cs typeface="Times New Roman" pitchFamily="18" charset="0"/>
+              </a:rPr>
+              <a:t>Знак </a:t>
+            </a:r>
+            <a:r>
+              <a:rPr lang="en-US" sz="2000" dirty="0" smtClean="0">
+                <a:latin typeface="Times New Roman" pitchFamily="18" charset="0"/>
+                <a:cs typeface="Times New Roman" pitchFamily="18" charset="0"/>
+              </a:rPr>
+              <a:t>"</a:t>
+            </a:r>
+            <a:r>
+              <a:rPr lang="ru-RU" sz="2000" dirty="0" smtClean="0">
+                <a:latin typeface="Times New Roman" pitchFamily="18" charset="0"/>
+                <a:cs typeface="Times New Roman" pitchFamily="18" charset="0"/>
+              </a:rPr>
+              <a:t>–</a:t>
+            </a:r>
+            <a:r>
+              <a:rPr lang="en-US" sz="2000" dirty="0" smtClean="0">
+                <a:latin typeface="Times New Roman" pitchFamily="18" charset="0"/>
+                <a:cs typeface="Times New Roman" pitchFamily="18" charset="0"/>
+              </a:rPr>
+              <a:t>"</a:t>
+            </a:r>
+            <a:r>
+              <a:rPr lang="ru-RU" sz="2000" dirty="0" smtClean="0">
+                <a:latin typeface="Times New Roman" pitchFamily="18" charset="0"/>
+                <a:cs typeface="Times New Roman" pitchFamily="18" charset="0"/>
+              </a:rPr>
+              <a:t> перед словом равносилен исключению из поиска документов, в которых содержится выделенное минусом слово. </a:t>
+            </a:r>
+          </a:p>
+          <a:p>
+            <a:pPr marL="342900" indent="-342900" algn="just">
+              <a:buAutoNum type="arabicPeriod"/>
+            </a:pPr>
+            <a:r>
+              <a:rPr lang="ru-RU" sz="2000" dirty="0" smtClean="0">
+                <a:latin typeface="Times New Roman" pitchFamily="18" charset="0"/>
+                <a:cs typeface="Times New Roman" pitchFamily="18" charset="0"/>
+              </a:rPr>
+              <a:t>Знак *, или подстановочный знак. Если в запросе указать звездочку (*), то она будет означать любое неизвестное поисковое слово, что позволяет найти самые лучшие соответствия. Например, по запросу Дума проголосовала * по * законопроекту будет ссылка на сайты с результатами о разных голосованиях по различным законопроектам.</a:t>
+            </a:r>
+            <a:endParaRPr lang="ru-RU" sz="2000" dirty="0">
               <a:latin typeface="Times New Roman" pitchFamily="18" charset="0"/>
               <a:cs typeface="Times New Roman" pitchFamily="18" charset="0"/>
             </a:endParaRPr>
-          </a:p>
-          <a:p>
-            <a:pPr algn="just"/>
-            <a:endParaRPr lang="ru-RU" dirty="0" smtClean="0">
-              <a:latin typeface="Times New Roman" pitchFamily="18" charset="0"/>
-              <a:cs typeface="Times New Roman" pitchFamily="18" charset="0"/>
-            </a:endParaRPr>
-          </a:p>
-          <a:p>
-            <a:pPr algn="just"/>
-            <a:r>
-              <a:rPr lang="ru-RU" b="1" dirty="0" smtClean="0">
-                <a:latin typeface="Times New Roman" pitchFamily="18" charset="0"/>
-                <a:cs typeface="Times New Roman" pitchFamily="18" charset="0"/>
-              </a:rPr>
-              <a:t>Пользуйтесь расширенным поиском - </a:t>
-            </a:r>
-            <a:r>
-              <a:rPr lang="ru-RU" dirty="0" smtClean="0">
-                <a:latin typeface="Times New Roman" pitchFamily="18" charset="0"/>
-                <a:cs typeface="Times New Roman" pitchFamily="18" charset="0"/>
-              </a:rPr>
-              <a:t>попробуйте детальнее структурировать свой запрос с помощью расширенного поиска. (</a:t>
-            </a:r>
-            <a:r>
-              <a:rPr lang="en-US" b="1" dirty="0" smtClean="0">
-                <a:latin typeface="Times New Roman" pitchFamily="18" charset="0"/>
-                <a:cs typeface="Times New Roman" pitchFamily="18" charset="0"/>
-                <a:hlinkClick r:id="rId2"/>
-              </a:rPr>
-              <a:t>https://suip.biz/ru/?act=yandex-search</a:t>
-            </a:r>
-            <a:r>
-              <a:rPr lang="ru-RU" dirty="0" smtClean="0">
-                <a:latin typeface="Times New Roman" pitchFamily="18" charset="0"/>
-                <a:cs typeface="Times New Roman" pitchFamily="18" charset="0"/>
-              </a:rPr>
-              <a:t>)</a:t>
-            </a:r>
-            <a:endParaRPr lang="en-US" dirty="0" smtClean="0">
-              <a:latin typeface="Times New Roman" pitchFamily="18" charset="0"/>
-              <a:cs typeface="Times New Roman" pitchFamily="18" charset="0"/>
-            </a:endParaRPr>
-          </a:p>
-          <a:p>
-            <a:pPr algn="just"/>
-            <a:endParaRPr lang="ru-RU" dirty="0" smtClean="0">
-              <a:latin typeface="Times New Roman" pitchFamily="18" charset="0"/>
-              <a:cs typeface="Times New Roman" pitchFamily="18" charset="0"/>
-            </a:endParaRPr>
-          </a:p>
-          <a:p>
-            <a:pPr algn="just"/>
-            <a:r>
-              <a:rPr lang="ru-RU" b="1" dirty="0" smtClean="0">
-                <a:latin typeface="Times New Roman" pitchFamily="18" charset="0"/>
-                <a:cs typeface="Times New Roman" pitchFamily="18" charset="0"/>
-              </a:rPr>
-              <a:t>Переформулируйте запросы с учетом уже полученных результатов - </a:t>
-            </a:r>
-            <a:r>
-              <a:rPr lang="ru-RU" dirty="0" smtClean="0">
-                <a:latin typeface="Times New Roman" pitchFamily="18" charset="0"/>
-                <a:cs typeface="Times New Roman" pitchFamily="18" charset="0"/>
-              </a:rPr>
-              <a:t>Самый простой способ – обратить внимание на предлагаемые поисковой системой варианты запросов, когда вы только вводите их в поисковую строку. Даже если воспользоваться последовательно хотя бы пяти такими «автоматическими» вариантами, это уже позволит сделать поиск более эффективным.</a:t>
-            </a:r>
-            <a:endParaRPr lang="en-US" dirty="0" smtClean="0">
-              <a:latin typeface="Times New Roman" pitchFamily="18" charset="0"/>
-              <a:cs typeface="Times New Roman" pitchFamily="18" charset="0"/>
-            </a:endParaRPr>
-          </a:p>
-          <a:p>
-            <a:pPr algn="just"/>
-            <a:endParaRPr lang="ru-RU" dirty="0" smtClean="0">
-              <a:latin typeface="Times New Roman" pitchFamily="18" charset="0"/>
-              <a:cs typeface="Times New Roman" pitchFamily="18" charset="0"/>
-            </a:endParaRPr>
-          </a:p>
-          <a:p>
-            <a:pPr algn="just"/>
-            <a:r>
-              <a:rPr lang="ru-RU" b="1" dirty="0" smtClean="0">
-                <a:latin typeface="Times New Roman" pitchFamily="18" charset="0"/>
-                <a:cs typeface="Times New Roman" pitchFamily="18" charset="0"/>
-              </a:rPr>
-              <a:t>Уточняйте предметную область и географию запросов - </a:t>
-            </a:r>
-            <a:r>
-              <a:rPr lang="ru-RU" dirty="0" smtClean="0">
-                <a:latin typeface="Times New Roman" pitchFamily="18" charset="0"/>
-                <a:cs typeface="Times New Roman" pitchFamily="18" charset="0"/>
-              </a:rPr>
-              <a:t>Как правило, у поисковых систем есть встроенное меню, позволяющее уточнять, что ищет пользователь: картинки, видео, словарные статьи, перевод слова, новостные материалы по своему запросу и так далее. Но и пользователю не стоит лениться: слово «медицинская» к слову «шина» за него не подставит ни одна поисковая система.</a:t>
-            </a:r>
-            <a:endParaRPr lang="ru-RU" b="1" dirty="0" smtClean="0">
-              <a:latin typeface="Times New Roman" pitchFamily="18" charset="0"/>
-              <a:cs typeface="Times New Roman" pitchFamily="18" charset="0"/>
-            </a:endParaRPr>
-          </a:p>
-          <a:p>
-            <a:r>
-              <a:rPr lang="ru-RU" sz="2000" dirty="0" smtClean="0"/>
-              <a:t/>
-            </a:r>
-            <a:br>
-              <a:rPr lang="ru-RU" sz="2000" dirty="0" smtClean="0"/>
-            </a:br>
-            <a:endParaRPr lang="ru-RU" sz="2000" dirty="0" smtClean="0"/>
-          </a:p>
-          <a:p>
-            <a:endParaRPr lang="ru-RU" sz="2000" dirty="0" smtClean="0"/>
-          </a:p>
-          <a:p>
-            <a:endParaRPr lang="ru-RU" sz="2000" dirty="0" smtClean="0"/>
-          </a:p>
-          <a:p>
-            <a:endParaRPr lang="ru-RU" sz="2000" b="1" dirty="0" smtClean="0"/>
-          </a:p>
-          <a:p>
-            <a:r>
-              <a:rPr lang="ru-RU" sz="2000" dirty="0" smtClean="0"/>
-              <a:t/>
-            </a:r>
-            <a:br>
-              <a:rPr lang="ru-RU" sz="2000" dirty="0" smtClean="0"/>
-            </a:br>
-            <a:endParaRPr lang="ru-RU" sz="2000" b="1" dirty="0"/>
           </a:p>
         </p:txBody>
       </p:sp>
@@ -9464,6 +9390,240 @@
         </p:nvSpPr>
         <p:spPr>
           <a:xfrm>
+            <a:off x="428596" y="0"/>
+            <a:ext cx="8229600" cy="1143000"/>
+          </a:xfrm>
+        </p:spPr>
+        <p:txBody>
+          <a:bodyPr>
+            <a:normAutofit fontScale="90000"/>
+          </a:bodyPr>
+          <a:lstStyle/>
+          <a:p>
+            <a:pPr fontAlgn="ctr"/>
+            <a:r>
+              <a:rPr lang="ru-RU" dirty="0" smtClean="0"/>
+              <a:t>Как эффективно искать информацию в интернете?</a:t>
+            </a:r>
+            <a:endParaRPr lang="ru-RU" dirty="0"/>
+          </a:p>
+        </p:txBody>
+      </p:sp>
+      <p:sp>
+        <p:nvSpPr>
+          <p:cNvPr id="13" name="Прямоугольник 12"/>
+          <p:cNvSpPr/>
+          <p:nvPr/>
+        </p:nvSpPr>
+        <p:spPr>
+          <a:xfrm>
+            <a:off x="0" y="1214422"/>
+            <a:ext cx="9144000" cy="7509748"/>
+          </a:xfrm>
+          <a:prstGeom prst="rect">
+            <a:avLst/>
+          </a:prstGeom>
+        </p:spPr>
+        <p:txBody>
+          <a:bodyPr wrap="square">
+            <a:spAutoFit/>
+          </a:bodyPr>
+          <a:lstStyle/>
+          <a:p>
+            <a:pPr algn="just"/>
+            <a:r>
+              <a:rPr lang="ru-RU" b="1" dirty="0" smtClean="0">
+                <a:latin typeface="Times New Roman" pitchFamily="18" charset="0"/>
+                <a:cs typeface="Times New Roman" pitchFamily="18" charset="0"/>
+              </a:rPr>
+              <a:t>Используйте как минимум две поисковые системы - </a:t>
+            </a:r>
+            <a:r>
+              <a:rPr lang="ru-RU" dirty="0" smtClean="0">
+                <a:latin typeface="Times New Roman" pitchFamily="18" charset="0"/>
+                <a:cs typeface="Times New Roman" pitchFamily="18" charset="0"/>
+              </a:rPr>
+              <a:t>У разных поисковиков несколько разные способы индексации страниц. Поэтому, как правило, даже самые простые поисковые запросы в разных системах приносят разные результаты. Во-первых, то, что не заметила одна поисковая система, может заметить другая – и наоборот.</a:t>
+            </a:r>
+            <a:endParaRPr lang="en-US" dirty="0" smtClean="0">
+              <a:latin typeface="Times New Roman" pitchFamily="18" charset="0"/>
+              <a:cs typeface="Times New Roman" pitchFamily="18" charset="0"/>
+            </a:endParaRPr>
+          </a:p>
+          <a:p>
+            <a:pPr algn="just"/>
+            <a:endParaRPr lang="ru-RU" dirty="0" smtClean="0">
+              <a:latin typeface="Times New Roman" pitchFamily="18" charset="0"/>
+              <a:cs typeface="Times New Roman" pitchFamily="18" charset="0"/>
+            </a:endParaRPr>
+          </a:p>
+          <a:p>
+            <a:pPr algn="just"/>
+            <a:r>
+              <a:rPr lang="ru-RU" b="1" dirty="0" smtClean="0">
+                <a:latin typeface="Times New Roman" pitchFamily="18" charset="0"/>
+                <a:cs typeface="Times New Roman" pitchFamily="18" charset="0"/>
+              </a:rPr>
+              <a:t>Пользуйтесь расширенным поиском - </a:t>
+            </a:r>
+            <a:r>
+              <a:rPr lang="ru-RU" dirty="0" smtClean="0">
+                <a:latin typeface="Times New Roman" pitchFamily="18" charset="0"/>
+                <a:cs typeface="Times New Roman" pitchFamily="18" charset="0"/>
+              </a:rPr>
+              <a:t>попробуйте детальнее структурировать свой запрос с помощью расширенного поиска. (</a:t>
+            </a:r>
+            <a:r>
+              <a:rPr lang="en-US" b="1" dirty="0" smtClean="0">
+                <a:latin typeface="Times New Roman" pitchFamily="18" charset="0"/>
+                <a:cs typeface="Times New Roman" pitchFamily="18" charset="0"/>
+                <a:hlinkClick r:id="rId2"/>
+              </a:rPr>
+              <a:t>https://suip.biz/ru/?act=yandex-search</a:t>
+            </a:r>
+            <a:r>
+              <a:rPr lang="ru-RU" dirty="0" smtClean="0">
+                <a:latin typeface="Times New Roman" pitchFamily="18" charset="0"/>
+                <a:cs typeface="Times New Roman" pitchFamily="18" charset="0"/>
+              </a:rPr>
+              <a:t>)</a:t>
+            </a:r>
+            <a:endParaRPr lang="en-US" dirty="0" smtClean="0">
+              <a:latin typeface="Times New Roman" pitchFamily="18" charset="0"/>
+              <a:cs typeface="Times New Roman" pitchFamily="18" charset="0"/>
+            </a:endParaRPr>
+          </a:p>
+          <a:p>
+            <a:pPr algn="just"/>
+            <a:endParaRPr lang="ru-RU" dirty="0" smtClean="0">
+              <a:latin typeface="Times New Roman" pitchFamily="18" charset="0"/>
+              <a:cs typeface="Times New Roman" pitchFamily="18" charset="0"/>
+            </a:endParaRPr>
+          </a:p>
+          <a:p>
+            <a:pPr algn="just"/>
+            <a:r>
+              <a:rPr lang="ru-RU" b="1" dirty="0" smtClean="0">
+                <a:latin typeface="Times New Roman" pitchFamily="18" charset="0"/>
+                <a:cs typeface="Times New Roman" pitchFamily="18" charset="0"/>
+              </a:rPr>
+              <a:t>Переформулируйте запросы с учетом уже полученных результатов - </a:t>
+            </a:r>
+            <a:r>
+              <a:rPr lang="ru-RU" dirty="0" smtClean="0">
+                <a:latin typeface="Times New Roman" pitchFamily="18" charset="0"/>
+                <a:cs typeface="Times New Roman" pitchFamily="18" charset="0"/>
+              </a:rPr>
+              <a:t>Самый простой способ – обратить внимание на предлагаемые поисковой системой варианты запросов, когда вы только вводите их в поисковую строку. Даже если воспользоваться последовательно хотя бы пяти такими «автоматическими» вариантами, это уже позволит сделать поиск более эффективным.</a:t>
+            </a:r>
+            <a:endParaRPr lang="en-US" dirty="0" smtClean="0">
+              <a:latin typeface="Times New Roman" pitchFamily="18" charset="0"/>
+              <a:cs typeface="Times New Roman" pitchFamily="18" charset="0"/>
+            </a:endParaRPr>
+          </a:p>
+          <a:p>
+            <a:pPr algn="just"/>
+            <a:endParaRPr lang="ru-RU" dirty="0" smtClean="0">
+              <a:latin typeface="Times New Roman" pitchFamily="18" charset="0"/>
+              <a:cs typeface="Times New Roman" pitchFamily="18" charset="0"/>
+            </a:endParaRPr>
+          </a:p>
+          <a:p>
+            <a:pPr algn="just"/>
+            <a:r>
+              <a:rPr lang="ru-RU" b="1" dirty="0" smtClean="0">
+                <a:latin typeface="Times New Roman" pitchFamily="18" charset="0"/>
+                <a:cs typeface="Times New Roman" pitchFamily="18" charset="0"/>
+              </a:rPr>
+              <a:t>Уточняйте предметную область и географию запросов - </a:t>
+            </a:r>
+            <a:r>
+              <a:rPr lang="ru-RU" dirty="0" smtClean="0">
+                <a:latin typeface="Times New Roman" pitchFamily="18" charset="0"/>
+                <a:cs typeface="Times New Roman" pitchFamily="18" charset="0"/>
+              </a:rPr>
+              <a:t>Как правило, у поисковых систем есть встроенное меню, позволяющее уточнять, что ищет пользователь: картинки, видео, словарные статьи, перевод слова, новостные материалы по своему запросу и так далее. Но и пользователю не стоит лениться: слово «медицинская» к слову «шина» за него не подставит ни одна поисковая система.</a:t>
+            </a:r>
+            <a:endParaRPr lang="ru-RU" b="1" dirty="0" smtClean="0">
+              <a:latin typeface="Times New Roman" pitchFamily="18" charset="0"/>
+              <a:cs typeface="Times New Roman" pitchFamily="18" charset="0"/>
+            </a:endParaRPr>
+          </a:p>
+          <a:p>
+            <a:r>
+              <a:rPr lang="ru-RU" sz="2000" dirty="0" smtClean="0"/>
+              <a:t/>
+            </a:r>
+            <a:br>
+              <a:rPr lang="ru-RU" sz="2000" dirty="0" smtClean="0"/>
+            </a:br>
+            <a:endParaRPr lang="ru-RU" sz="2000" dirty="0" smtClean="0"/>
+          </a:p>
+          <a:p>
+            <a:endParaRPr lang="ru-RU" sz="2000" dirty="0" smtClean="0"/>
+          </a:p>
+          <a:p>
+            <a:endParaRPr lang="ru-RU" sz="2000" dirty="0" smtClean="0"/>
+          </a:p>
+          <a:p>
+            <a:endParaRPr lang="ru-RU" sz="2000" b="1" dirty="0" smtClean="0"/>
+          </a:p>
+          <a:p>
+            <a:r>
+              <a:rPr lang="ru-RU" sz="2000" dirty="0" smtClean="0"/>
+              <a:t/>
+            </a:r>
+            <a:br>
+              <a:rPr lang="ru-RU" sz="2000" dirty="0" smtClean="0"/>
+            </a:br>
+            <a:endParaRPr lang="ru-RU" sz="2000" b="1" dirty="0"/>
+          </a:p>
+        </p:txBody>
+      </p:sp>
+    </p:spTree>
+  </p:cSld>
+  <p:clrMapOvr>
+    <a:masterClrMapping/>
+  </p:clrMapOvr>
+  <p:timing>
+    <p:tnLst>
+      <p:par>
+        <p:cTn id="1" dur="indefinite" restart="never" nodeType="tmRoot"/>
+      </p:par>
+    </p:tnLst>
+  </p:timing>
+</p:sld>
+</file>
+
+<file path=ppt/slides/slide9.xml><?xml version="1.0" encoding="utf-8"?>
+<p:sld xmlns:a="http://schemas.openxmlformats.org/drawingml/2006/main" xmlns:r="http://schemas.openxmlformats.org/officeDocument/2006/relationships" xmlns:p="http://schemas.openxmlformats.org/presentationml/2006/main">
+  <p:cSld>
+    <p:spTree>
+      <p:nvGrpSpPr>
+        <p:cNvPr id="1" name=""/>
+        <p:cNvGrpSpPr/>
+        <p:nvPr/>
+      </p:nvGrpSpPr>
+      <p:grpSpPr>
+        <a:xfrm>
+          <a:off x="0" y="0"/>
+          <a:ext cx="0" cy="0"/>
+          <a:chOff x="0" y="0"/>
+          <a:chExt cx="0" cy="0"/>
+        </a:xfrm>
+      </p:grpSpPr>
+      <p:sp>
+        <p:nvSpPr>
+          <p:cNvPr id="2" name="Заголовок 1"/>
+          <p:cNvSpPr>
+            <a:spLocks noGrp="1"/>
+          </p:cNvSpPr>
+          <p:nvPr>
+            <p:ph type="title"/>
+          </p:nvPr>
+        </p:nvSpPr>
+        <p:spPr>
+          <a:xfrm>
             <a:off x="500034" y="0"/>
             <a:ext cx="8229600" cy="1143000"/>
           </a:xfrm>
@@ -9843,221 +10003,6 @@
           </a:p>
         </p:txBody>
       </p:sp>
-    </p:spTree>
-  </p:cSld>
-  <p:clrMapOvr>
-    <a:masterClrMapping/>
-  </p:clrMapOvr>
-</p:sld>
-</file>
-
-<file path=ppt/slides/slide9.xml><?xml version="1.0" encoding="utf-8"?>
-<p:sld xmlns:a="http://schemas.openxmlformats.org/drawingml/2006/main" xmlns:r="http://schemas.openxmlformats.org/officeDocument/2006/relationships" xmlns:p="http://schemas.openxmlformats.org/presentationml/2006/main">
-  <p:cSld>
-    <p:spTree>
-      <p:nvGrpSpPr>
-        <p:cNvPr id="1" name=""/>
-        <p:cNvGrpSpPr/>
-        <p:nvPr/>
-      </p:nvGrpSpPr>
-      <p:grpSpPr>
-        <a:xfrm>
-          <a:off x="0" y="0"/>
-          <a:ext cx="0" cy="0"/>
-          <a:chOff x="0" y="0"/>
-          <a:chExt cx="0" cy="0"/>
-        </a:xfrm>
-      </p:grpSpPr>
-      <p:sp>
-        <p:nvSpPr>
-          <p:cNvPr id="2" name="Заголовок 1"/>
-          <p:cNvSpPr>
-            <a:spLocks noGrp="1"/>
-          </p:cNvSpPr>
-          <p:nvPr>
-            <p:ph type="title"/>
-          </p:nvPr>
-        </p:nvSpPr>
-        <p:spPr>
-          <a:xfrm>
-            <a:off x="457200" y="-24"/>
-            <a:ext cx="8229600" cy="1143000"/>
-          </a:xfrm>
-        </p:spPr>
-        <p:txBody>
-          <a:bodyPr/>
-          <a:lstStyle/>
-          <a:p>
-            <a:r>
-              <a:rPr lang="ru-RU" dirty="0" smtClean="0"/>
-              <a:t>Справочно-правовые системы</a:t>
-            </a:r>
-            <a:endParaRPr lang="ru-RU" dirty="0"/>
-          </a:p>
-        </p:txBody>
-      </p:sp>
-      <p:sp>
-        <p:nvSpPr>
-          <p:cNvPr id="3" name="Прямоугольник 2"/>
-          <p:cNvSpPr/>
-          <p:nvPr/>
-        </p:nvSpPr>
-        <p:spPr>
-          <a:xfrm>
-            <a:off x="0" y="928670"/>
-            <a:ext cx="9144000" cy="2585323"/>
-          </a:xfrm>
-          <a:prstGeom prst="rect">
-            <a:avLst/>
-          </a:prstGeom>
-          <a:solidFill>
-            <a:schemeClr val="accent3">
-              <a:lumMod val="20000"/>
-              <a:lumOff val="80000"/>
-            </a:schemeClr>
-          </a:solidFill>
-        </p:spPr>
-        <p:txBody>
-          <a:bodyPr wrap="square">
-            <a:spAutoFit/>
-          </a:bodyPr>
-          <a:lstStyle/>
-          <a:p>
-            <a:r>
-              <a:rPr lang="ru-RU" dirty="0" err="1" smtClean="0">
-                <a:latin typeface="Times New Roman" pitchFamily="18" charset="0"/>
-                <a:cs typeface="Times New Roman" pitchFamily="18" charset="0"/>
-              </a:rPr>
-              <a:t>КонсультантПлюс</a:t>
-            </a:r>
-            <a:r>
-              <a:rPr lang="ru-RU" dirty="0" smtClean="0">
-                <a:latin typeface="Times New Roman" pitchFamily="18" charset="0"/>
-                <a:cs typeface="Times New Roman" pitchFamily="18" charset="0"/>
-              </a:rPr>
-              <a:t> (бесплатная версия: </a:t>
-            </a:r>
-            <a:r>
-              <a:rPr lang="en-US" dirty="0" smtClean="0">
-                <a:latin typeface="Times New Roman" pitchFamily="18" charset="0"/>
-                <a:cs typeface="Times New Roman" pitchFamily="18" charset="0"/>
-                <a:hlinkClick r:id="rId2"/>
-              </a:rPr>
-              <a:t>https</a:t>
-            </a:r>
-            <a:r>
-              <a:rPr lang="en-US" dirty="0" smtClean="0">
-                <a:latin typeface="Times New Roman" pitchFamily="18" charset="0"/>
-                <a:cs typeface="Times New Roman" pitchFamily="18" charset="0"/>
-                <a:hlinkClick r:id="rId2"/>
-              </a:rPr>
-              <a:t>://</a:t>
-            </a:r>
-            <a:r>
-              <a:rPr lang="en-US" dirty="0" smtClean="0">
-                <a:latin typeface="Times New Roman" pitchFamily="18" charset="0"/>
-                <a:cs typeface="Times New Roman" pitchFamily="18" charset="0"/>
-                <a:hlinkClick r:id="rId2"/>
-              </a:rPr>
-              <a:t>www.consultant.ru/cons/cgi/online.cgi?req=home&amp;utm_csource=online&amp;utm_cmedium=button</a:t>
-            </a:r>
-            <a:r>
-              <a:rPr lang="ru-RU" dirty="0" smtClean="0">
-                <a:latin typeface="Times New Roman" pitchFamily="18" charset="0"/>
-                <a:cs typeface="Times New Roman" pitchFamily="18" charset="0"/>
-              </a:rPr>
-              <a:t>) - </a:t>
-            </a:r>
-            <a:r>
-              <a:rPr lang="ru-RU" dirty="0" smtClean="0">
-                <a:solidFill>
-                  <a:srgbClr val="333333"/>
-                </a:solidFill>
-                <a:latin typeface="Times New Roman" pitchFamily="18" charset="0"/>
-                <a:cs typeface="Times New Roman" pitchFamily="18" charset="0"/>
-              </a:rPr>
-              <a:t>справочно-правовая система (СПС), которая содержит нормативные правовые акты, консультации по применению законодательства, материалы периодических изданий, судебную практику и другую полезную информацию. </a:t>
-            </a:r>
-            <a:endParaRPr lang="ru-RU" dirty="0" smtClean="0">
-              <a:solidFill>
-                <a:srgbClr val="333333"/>
-              </a:solidFill>
-              <a:latin typeface="Times New Roman" pitchFamily="18" charset="0"/>
-              <a:cs typeface="Times New Roman" pitchFamily="18" charset="0"/>
-            </a:endParaRPr>
-          </a:p>
-          <a:p>
-            <a:endParaRPr lang="ru-RU" dirty="0" smtClean="0">
-              <a:solidFill>
-                <a:srgbClr val="333333"/>
-              </a:solidFill>
-              <a:latin typeface="Times New Roman" pitchFamily="18" charset="0"/>
-              <a:cs typeface="Times New Roman" pitchFamily="18" charset="0"/>
-            </a:endParaRPr>
-          </a:p>
-          <a:p>
-            <a:pPr algn="just"/>
-            <a:r>
-              <a:rPr lang="ru-RU" dirty="0" smtClean="0">
-                <a:latin typeface="Times New Roman" pitchFamily="18" charset="0"/>
-                <a:cs typeface="Times New Roman" pitchFamily="18" charset="0"/>
-              </a:rPr>
-              <a:t>Гарант - это</a:t>
-            </a:r>
-            <a:r>
-              <a:rPr lang="ru-RU" dirty="0" smtClean="0">
-                <a:latin typeface="Times New Roman" pitchFamily="18" charset="0"/>
-                <a:cs typeface="Times New Roman" pitchFamily="18" charset="0"/>
-              </a:rPr>
-              <a:t> </a:t>
-            </a:r>
-            <a:r>
-              <a:rPr lang="ru-RU" b="1" dirty="0" smtClean="0">
-                <a:latin typeface="Times New Roman" pitchFamily="18" charset="0"/>
-                <a:cs typeface="Times New Roman" pitchFamily="18" charset="0"/>
-              </a:rPr>
-              <a:t>программный комплекс с постоянно обновляемой базой нормативно-правовых актов и других документов</a:t>
-            </a:r>
-            <a:r>
-              <a:rPr lang="ru-RU" dirty="0" smtClean="0">
-                <a:latin typeface="Times New Roman" pitchFamily="18" charset="0"/>
-                <a:cs typeface="Times New Roman" pitchFamily="18" charset="0"/>
-              </a:rPr>
-              <a:t>, который даёт пользователям доступ к актуальной правовой информации и инструменты для работы с ней.</a:t>
-            </a:r>
-            <a:endParaRPr lang="ru-RU" dirty="0">
-              <a:latin typeface="Times New Roman" pitchFamily="18" charset="0"/>
-              <a:cs typeface="Times New Roman" pitchFamily="18" charset="0"/>
-            </a:endParaRPr>
-          </a:p>
-        </p:txBody>
-      </p:sp>
-      <p:pic>
-        <p:nvPicPr>
-          <p:cNvPr id="7170" name="Picture 2" descr="https://avatars.mds.yandex.net/get-entity_search/1270464/858951791/S600xU_2x"/>
-          <p:cNvPicPr>
-            <a:picLocks noChangeAspect="1" noChangeArrowheads="1"/>
-          </p:cNvPicPr>
-          <p:nvPr/>
-        </p:nvPicPr>
-        <p:blipFill>
-          <a:blip r:embed="rId3"/>
-          <a:srcRect/>
-          <a:stretch>
-            <a:fillRect/>
-          </a:stretch>
-        </p:blipFill>
-        <p:spPr bwMode="auto">
-          <a:xfrm>
-            <a:off x="2143108" y="3571876"/>
-            <a:ext cx="4762500" cy="3286124"/>
-          </a:xfrm>
-          <a:prstGeom prst="rect">
-            <a:avLst/>
-          </a:prstGeom>
-          <a:noFill/>
-        </p:spPr>
-      </p:pic>
     </p:spTree>
   </p:cSld>
   <p:clrMapOvr>
